--- a/Esquemas/CRISP-DM.pptx
+++ b/Esquemas/CRISP-DM.pptx
@@ -8,6 +8,7 @@
     <p:sldId id="256" r:id="rId2"/>
     <p:sldId id="257" r:id="rId3"/>
     <p:sldId id="258" r:id="rId4"/>
+    <p:sldId id="259" r:id="rId5"/>
   </p:sldIdLst>
   <p:sldSz cx="12192000" cy="6858000"/>
   <p:notesSz cx="6858000" cy="9144000"/>
@@ -106,6 +107,11 @@
       </a:defRPr>
     </a:lvl9pPr>
   </p:defaultTextStyle>
+  <p:extLst>
+    <p:ext uri="{EFAFB233-063F-42B5-8137-9DF3F51BA10A}">
+      <p15:sldGuideLst xmlns:p15="http://schemas.microsoft.com/office/powerpoint/2012/main"/>
+    </p:ext>
+  </p:extLst>
 </p:presentation>
 </file>
 
@@ -258,7 +264,7 @@
           <a:p>
             <a:fld id="{59FCF62E-C645-984D-BEB6-8090E3CFBDB1}" type="datetimeFigureOut">
               <a:rPr lang="pt-PT" smtClean="0"/>
-              <a:t>21/04/21</a:t>
+              <a:t>26/04/21</a:t>
             </a:fld>
             <a:endParaRPr lang="pt-PT"/>
           </a:p>
@@ -458,7 +464,7 @@
           <a:p>
             <a:fld id="{59FCF62E-C645-984D-BEB6-8090E3CFBDB1}" type="datetimeFigureOut">
               <a:rPr lang="pt-PT" smtClean="0"/>
-              <a:t>21/04/21</a:t>
+              <a:t>26/04/21</a:t>
             </a:fld>
             <a:endParaRPr lang="pt-PT"/>
           </a:p>
@@ -668,7 +674,7 @@
           <a:p>
             <a:fld id="{59FCF62E-C645-984D-BEB6-8090E3CFBDB1}" type="datetimeFigureOut">
               <a:rPr lang="pt-PT" smtClean="0"/>
-              <a:t>21/04/21</a:t>
+              <a:t>26/04/21</a:t>
             </a:fld>
             <a:endParaRPr lang="pt-PT"/>
           </a:p>
@@ -868,7 +874,7 @@
           <a:p>
             <a:fld id="{59FCF62E-C645-984D-BEB6-8090E3CFBDB1}" type="datetimeFigureOut">
               <a:rPr lang="pt-PT" smtClean="0"/>
-              <a:t>21/04/21</a:t>
+              <a:t>26/04/21</a:t>
             </a:fld>
             <a:endParaRPr lang="pt-PT"/>
           </a:p>
@@ -1144,7 +1150,7 @@
           <a:p>
             <a:fld id="{59FCF62E-C645-984D-BEB6-8090E3CFBDB1}" type="datetimeFigureOut">
               <a:rPr lang="pt-PT" smtClean="0"/>
-              <a:t>21/04/21</a:t>
+              <a:t>26/04/21</a:t>
             </a:fld>
             <a:endParaRPr lang="pt-PT"/>
           </a:p>
@@ -1412,7 +1418,7 @@
           <a:p>
             <a:fld id="{59FCF62E-C645-984D-BEB6-8090E3CFBDB1}" type="datetimeFigureOut">
               <a:rPr lang="pt-PT" smtClean="0"/>
-              <a:t>21/04/21</a:t>
+              <a:t>26/04/21</a:t>
             </a:fld>
             <a:endParaRPr lang="pt-PT"/>
           </a:p>
@@ -1827,7 +1833,7 @@
           <a:p>
             <a:fld id="{59FCF62E-C645-984D-BEB6-8090E3CFBDB1}" type="datetimeFigureOut">
               <a:rPr lang="pt-PT" smtClean="0"/>
-              <a:t>21/04/21</a:t>
+              <a:t>26/04/21</a:t>
             </a:fld>
             <a:endParaRPr lang="pt-PT"/>
           </a:p>
@@ -1969,7 +1975,7 @@
           <a:p>
             <a:fld id="{59FCF62E-C645-984D-BEB6-8090E3CFBDB1}" type="datetimeFigureOut">
               <a:rPr lang="pt-PT" smtClean="0"/>
-              <a:t>21/04/21</a:t>
+              <a:t>26/04/21</a:t>
             </a:fld>
             <a:endParaRPr lang="pt-PT"/>
           </a:p>
@@ -2082,7 +2088,7 @@
           <a:p>
             <a:fld id="{59FCF62E-C645-984D-BEB6-8090E3CFBDB1}" type="datetimeFigureOut">
               <a:rPr lang="pt-PT" smtClean="0"/>
-              <a:t>21/04/21</a:t>
+              <a:t>26/04/21</a:t>
             </a:fld>
             <a:endParaRPr lang="pt-PT"/>
           </a:p>
@@ -2395,7 +2401,7 @@
           <a:p>
             <a:fld id="{59FCF62E-C645-984D-BEB6-8090E3CFBDB1}" type="datetimeFigureOut">
               <a:rPr lang="pt-PT" smtClean="0"/>
-              <a:t>21/04/21</a:t>
+              <a:t>26/04/21</a:t>
             </a:fld>
             <a:endParaRPr lang="pt-PT"/>
           </a:p>
@@ -2684,7 +2690,7 @@
           <a:p>
             <a:fld id="{59FCF62E-C645-984D-BEB6-8090E3CFBDB1}" type="datetimeFigureOut">
               <a:rPr lang="pt-PT" smtClean="0"/>
-              <a:t>21/04/21</a:t>
+              <a:t>26/04/21</a:t>
             </a:fld>
             <a:endParaRPr lang="pt-PT"/>
           </a:p>
@@ -2927,7 +2933,7 @@
           <a:p>
             <a:fld id="{59FCF62E-C645-984D-BEB6-8090E3CFBDB1}" type="datetimeFigureOut">
               <a:rPr lang="pt-PT" smtClean="0"/>
-              <a:t>21/04/21</a:t>
+              <a:t>26/04/21</a:t>
             </a:fld>
             <a:endParaRPr lang="pt-PT"/>
           </a:p>
@@ -3906,10 +3912,501 @@
           <a:chExt cx="0" cy="0"/>
         </a:xfrm>
       </p:grpSpPr>
+      <p:pic>
+        <p:nvPicPr>
+          <p:cNvPr id="3" name="Picture 2" descr="Timeline&#10;&#10;Description automatically generated">
+            <a:extLst>
+              <a:ext uri="{FF2B5EF4-FFF2-40B4-BE49-F238E27FC236}">
+                <a16:creationId xmlns:a16="http://schemas.microsoft.com/office/drawing/2014/main" id="{03B100D9-753A-2343-ADFF-E05535758BDB}"/>
+              </a:ext>
+            </a:extLst>
+          </p:cNvPr>
+          <p:cNvPicPr>
+            <a:picLocks noChangeAspect="1"/>
+          </p:cNvPicPr>
+          <p:nvPr/>
+        </p:nvPicPr>
+        <p:blipFill>
+          <a:blip r:embed="rId2"/>
+          <a:stretch>
+            <a:fillRect/>
+          </a:stretch>
+        </p:blipFill>
+        <p:spPr>
+          <a:xfrm>
+            <a:off x="552450" y="118533"/>
+            <a:ext cx="10686812" cy="3310467"/>
+          </a:xfrm>
+          <a:prstGeom prst="rect">
+            <a:avLst/>
+          </a:prstGeom>
+        </p:spPr>
+      </p:pic>
     </p:spTree>
     <p:extLst>
       <p:ext uri="{BB962C8B-B14F-4D97-AF65-F5344CB8AC3E}">
         <p14:creationId xmlns:p14="http://schemas.microsoft.com/office/powerpoint/2010/main" val="2592387603"/>
+      </p:ext>
+    </p:extLst>
+  </p:cSld>
+  <p:clrMapOvr>
+    <a:masterClrMapping/>
+  </p:clrMapOvr>
+</p:sld>
+</file>
+
+<file path=ppt/slides/slide4.xml><?xml version="1.0" encoding="utf-8"?>
+<p:sld xmlns:a="http://schemas.openxmlformats.org/drawingml/2006/main" xmlns:r="http://schemas.openxmlformats.org/officeDocument/2006/relationships" xmlns:p="http://schemas.openxmlformats.org/presentationml/2006/main">
+  <p:cSld>
+    <p:spTree>
+      <p:nvGrpSpPr>
+        <p:cNvPr id="1" name=""/>
+        <p:cNvGrpSpPr/>
+        <p:nvPr/>
+      </p:nvGrpSpPr>
+      <p:grpSpPr>
+        <a:xfrm>
+          <a:off x="0" y="0"/>
+          <a:ext cx="0" cy="0"/>
+          <a:chOff x="0" y="0"/>
+          <a:chExt cx="0" cy="0"/>
+        </a:xfrm>
+      </p:grpSpPr>
+      <p:sp>
+        <p:nvSpPr>
+          <p:cNvPr id="4" name="TextBox 3">
+            <a:extLst>
+              <a:ext uri="{FF2B5EF4-FFF2-40B4-BE49-F238E27FC236}">
+                <a16:creationId xmlns:a16="http://schemas.microsoft.com/office/drawing/2014/main" id="{F7440071-2BA5-7D40-A613-5DC70B92302F}"/>
+              </a:ext>
+            </a:extLst>
+          </p:cNvPr>
+          <p:cNvSpPr txBox="1"/>
+          <p:nvPr/>
+        </p:nvSpPr>
+        <p:spPr>
+          <a:xfrm>
+            <a:off x="1497734" y="873112"/>
+            <a:ext cx="652743" cy="369332"/>
+          </a:xfrm>
+          <a:prstGeom prst="rect">
+            <a:avLst/>
+          </a:prstGeom>
+          <a:noFill/>
+        </p:spPr>
+        <p:txBody>
+          <a:bodyPr wrap="none" rtlCol="0">
+            <a:spAutoFit/>
+          </a:bodyPr>
+          <a:lstStyle/>
+          <a:p>
+            <a:r>
+              <a:rPr lang="pt-PT" dirty="0"/>
+              <a:t>1995</a:t>
+            </a:r>
+          </a:p>
+        </p:txBody>
+      </p:sp>
+      <p:sp>
+        <p:nvSpPr>
+          <p:cNvPr id="7" name="TextBox 6">
+            <a:extLst>
+              <a:ext uri="{FF2B5EF4-FFF2-40B4-BE49-F238E27FC236}">
+                <a16:creationId xmlns:a16="http://schemas.microsoft.com/office/drawing/2014/main" id="{699A91AC-3DAA-2445-9F29-B26352EB7390}"/>
+              </a:ext>
+            </a:extLst>
+          </p:cNvPr>
+          <p:cNvSpPr txBox="1"/>
+          <p:nvPr/>
+        </p:nvSpPr>
+        <p:spPr>
+          <a:xfrm>
+            <a:off x="3056507" y="875734"/>
+            <a:ext cx="652743" cy="369332"/>
+          </a:xfrm>
+          <a:prstGeom prst="rect">
+            <a:avLst/>
+          </a:prstGeom>
+          <a:noFill/>
+        </p:spPr>
+        <p:txBody>
+          <a:bodyPr wrap="none" rtlCol="0">
+            <a:spAutoFit/>
+          </a:bodyPr>
+          <a:lstStyle/>
+          <a:p>
+            <a:r>
+              <a:rPr lang="pt-PT" dirty="0"/>
+              <a:t>2001</a:t>
+            </a:r>
+          </a:p>
+        </p:txBody>
+      </p:sp>
+      <p:sp>
+        <p:nvSpPr>
+          <p:cNvPr id="8" name="TextBox 7">
+            <a:extLst>
+              <a:ext uri="{FF2B5EF4-FFF2-40B4-BE49-F238E27FC236}">
+                <a16:creationId xmlns:a16="http://schemas.microsoft.com/office/drawing/2014/main" id="{FC73F29A-E121-5140-AF8D-70F8172A04D5}"/>
+              </a:ext>
+            </a:extLst>
+          </p:cNvPr>
+          <p:cNvSpPr txBox="1"/>
+          <p:nvPr/>
+        </p:nvSpPr>
+        <p:spPr>
+          <a:xfrm>
+            <a:off x="5165088" y="873112"/>
+            <a:ext cx="652743" cy="369332"/>
+          </a:xfrm>
+          <a:prstGeom prst="rect">
+            <a:avLst/>
+          </a:prstGeom>
+          <a:noFill/>
+        </p:spPr>
+        <p:txBody>
+          <a:bodyPr wrap="none" rtlCol="0">
+            <a:spAutoFit/>
+          </a:bodyPr>
+          <a:lstStyle/>
+          <a:p>
+            <a:r>
+              <a:rPr lang="pt-PT" dirty="0"/>
+              <a:t>2003</a:t>
+            </a:r>
+          </a:p>
+        </p:txBody>
+      </p:sp>
+      <p:sp>
+        <p:nvSpPr>
+          <p:cNvPr id="9" name="TextBox 8">
+            <a:extLst>
+              <a:ext uri="{FF2B5EF4-FFF2-40B4-BE49-F238E27FC236}">
+                <a16:creationId xmlns:a16="http://schemas.microsoft.com/office/drawing/2014/main" id="{8ADCCE13-98CE-3D42-9D4E-23A57874B97B}"/>
+              </a:ext>
+            </a:extLst>
+          </p:cNvPr>
+          <p:cNvSpPr txBox="1"/>
+          <p:nvPr/>
+        </p:nvSpPr>
+        <p:spPr>
+          <a:xfrm>
+            <a:off x="7321534" y="873112"/>
+            <a:ext cx="652743" cy="369332"/>
+          </a:xfrm>
+          <a:prstGeom prst="rect">
+            <a:avLst/>
+          </a:prstGeom>
+          <a:noFill/>
+        </p:spPr>
+        <p:txBody>
+          <a:bodyPr wrap="none" rtlCol="0">
+            <a:spAutoFit/>
+          </a:bodyPr>
+          <a:lstStyle/>
+          <a:p>
+            <a:r>
+              <a:rPr lang="pt-PT" dirty="0"/>
+              <a:t>2006</a:t>
+            </a:r>
+          </a:p>
+        </p:txBody>
+      </p:sp>
+      <p:sp>
+        <p:nvSpPr>
+          <p:cNvPr id="10" name="TextBox 9">
+            <a:extLst>
+              <a:ext uri="{FF2B5EF4-FFF2-40B4-BE49-F238E27FC236}">
+                <a16:creationId xmlns:a16="http://schemas.microsoft.com/office/drawing/2014/main" id="{573FB816-4075-0E46-A7E0-2CDB8B5455F5}"/>
+              </a:ext>
+            </a:extLst>
+          </p:cNvPr>
+          <p:cNvSpPr txBox="1"/>
+          <p:nvPr/>
+        </p:nvSpPr>
+        <p:spPr>
+          <a:xfrm>
+            <a:off x="9021673" y="878737"/>
+            <a:ext cx="652743" cy="369332"/>
+          </a:xfrm>
+          <a:prstGeom prst="rect">
+            <a:avLst/>
+          </a:prstGeom>
+          <a:noFill/>
+        </p:spPr>
+        <p:txBody>
+          <a:bodyPr wrap="none" rtlCol="0">
+            <a:spAutoFit/>
+          </a:bodyPr>
+          <a:lstStyle/>
+          <a:p>
+            <a:r>
+              <a:rPr lang="pt-PT" dirty="0"/>
+              <a:t>2009</a:t>
+            </a:r>
+          </a:p>
+        </p:txBody>
+      </p:sp>
+      <p:cxnSp>
+        <p:nvCxnSpPr>
+          <p:cNvPr id="25" name="Straight Connector 24">
+            <a:extLst>
+              <a:ext uri="{FF2B5EF4-FFF2-40B4-BE49-F238E27FC236}">
+                <a16:creationId xmlns:a16="http://schemas.microsoft.com/office/drawing/2014/main" id="{01737547-8E19-704A-A836-50ABF4D7EBC1}"/>
+              </a:ext>
+            </a:extLst>
+          </p:cNvPr>
+          <p:cNvCxnSpPr>
+            <a:cxnSpLocks/>
+          </p:cNvCxnSpPr>
+          <p:nvPr/>
+        </p:nvCxnSpPr>
+        <p:spPr>
+          <a:xfrm>
+            <a:off x="1824104" y="2529463"/>
+            <a:ext cx="7521902" cy="0"/>
+          </a:xfrm>
+          <a:prstGeom prst="line">
+            <a:avLst/>
+          </a:prstGeom>
+        </p:spPr>
+        <p:style>
+          <a:lnRef idx="1">
+            <a:schemeClr val="dk1"/>
+          </a:lnRef>
+          <a:fillRef idx="0">
+            <a:schemeClr val="dk1"/>
+          </a:fillRef>
+          <a:effectRef idx="0">
+            <a:schemeClr val="dk1"/>
+          </a:effectRef>
+          <a:fontRef idx="minor">
+            <a:schemeClr val="tx1"/>
+          </a:fontRef>
+        </p:style>
+      </p:cxnSp>
+      <p:cxnSp>
+        <p:nvCxnSpPr>
+          <p:cNvPr id="28" name="Straight Connector 27">
+            <a:extLst>
+              <a:ext uri="{FF2B5EF4-FFF2-40B4-BE49-F238E27FC236}">
+                <a16:creationId xmlns:a16="http://schemas.microsoft.com/office/drawing/2014/main" id="{B6502BA7-0EAC-D144-A4F9-63D3612922D5}"/>
+              </a:ext>
+            </a:extLst>
+          </p:cNvPr>
+          <p:cNvCxnSpPr/>
+          <p:nvPr/>
+        </p:nvCxnSpPr>
+        <p:spPr>
+          <a:xfrm>
+            <a:off x="1824104" y="1199063"/>
+            <a:ext cx="0" cy="1380640"/>
+          </a:xfrm>
+          <a:prstGeom prst="line">
+            <a:avLst/>
+          </a:prstGeom>
+        </p:spPr>
+        <p:style>
+          <a:lnRef idx="1">
+            <a:schemeClr val="accent1"/>
+          </a:lnRef>
+          <a:fillRef idx="0">
+            <a:schemeClr val="accent1"/>
+          </a:fillRef>
+          <a:effectRef idx="0">
+            <a:schemeClr val="accent1"/>
+          </a:effectRef>
+          <a:fontRef idx="minor">
+            <a:schemeClr val="tx1"/>
+          </a:fontRef>
+        </p:style>
+      </p:cxnSp>
+      <p:cxnSp>
+        <p:nvCxnSpPr>
+          <p:cNvPr id="34" name="Straight Connector 33">
+            <a:extLst>
+              <a:ext uri="{FF2B5EF4-FFF2-40B4-BE49-F238E27FC236}">
+                <a16:creationId xmlns:a16="http://schemas.microsoft.com/office/drawing/2014/main" id="{6C14BB99-E9A7-9443-B76F-9B9D734C6AAE}"/>
+              </a:ext>
+            </a:extLst>
+          </p:cNvPr>
+          <p:cNvCxnSpPr/>
+          <p:nvPr/>
+        </p:nvCxnSpPr>
+        <p:spPr>
+          <a:xfrm>
+            <a:off x="9346006" y="1148823"/>
+            <a:ext cx="0" cy="1380640"/>
+          </a:xfrm>
+          <a:prstGeom prst="line">
+            <a:avLst/>
+          </a:prstGeom>
+        </p:spPr>
+        <p:style>
+          <a:lnRef idx="1">
+            <a:schemeClr val="accent1"/>
+          </a:lnRef>
+          <a:fillRef idx="0">
+            <a:schemeClr val="accent1"/>
+          </a:fillRef>
+          <a:effectRef idx="0">
+            <a:schemeClr val="accent1"/>
+          </a:effectRef>
+          <a:fontRef idx="minor">
+            <a:schemeClr val="tx1"/>
+          </a:fontRef>
+        </p:style>
+      </p:cxnSp>
+      <p:cxnSp>
+        <p:nvCxnSpPr>
+          <p:cNvPr id="37" name="Straight Connector 36">
+            <a:extLst>
+              <a:ext uri="{FF2B5EF4-FFF2-40B4-BE49-F238E27FC236}">
+                <a16:creationId xmlns:a16="http://schemas.microsoft.com/office/drawing/2014/main" id="{80C76CB8-3F58-5E40-91E3-E9BBA1845918}"/>
+              </a:ext>
+            </a:extLst>
+          </p:cNvPr>
+          <p:cNvCxnSpPr>
+            <a:cxnSpLocks/>
+          </p:cNvCxnSpPr>
+          <p:nvPr/>
+        </p:nvCxnSpPr>
+        <p:spPr>
+          <a:xfrm>
+            <a:off x="1308503" y="812799"/>
+            <a:ext cx="8440804" cy="0"/>
+          </a:xfrm>
+          <a:prstGeom prst="line">
+            <a:avLst/>
+          </a:prstGeom>
+        </p:spPr>
+        <p:style>
+          <a:lnRef idx="1">
+            <a:schemeClr val="dk1"/>
+          </a:lnRef>
+          <a:fillRef idx="0">
+            <a:schemeClr val="dk1"/>
+          </a:fillRef>
+          <a:effectRef idx="0">
+            <a:schemeClr val="dk1"/>
+          </a:effectRef>
+          <a:fontRef idx="minor">
+            <a:schemeClr val="tx1"/>
+          </a:fontRef>
+        </p:style>
+      </p:cxnSp>
+      <p:cxnSp>
+        <p:nvCxnSpPr>
+          <p:cNvPr id="43" name="Straight Connector 42">
+            <a:extLst>
+              <a:ext uri="{FF2B5EF4-FFF2-40B4-BE49-F238E27FC236}">
+                <a16:creationId xmlns:a16="http://schemas.microsoft.com/office/drawing/2014/main" id="{0D324FB4-D225-9B40-AC61-A77266D6DD20}"/>
+              </a:ext>
+            </a:extLst>
+          </p:cNvPr>
+          <p:cNvCxnSpPr/>
+          <p:nvPr/>
+        </p:nvCxnSpPr>
+        <p:spPr>
+          <a:xfrm>
+            <a:off x="7647905" y="1199063"/>
+            <a:ext cx="0" cy="1380640"/>
+          </a:xfrm>
+          <a:prstGeom prst="line">
+            <a:avLst/>
+          </a:prstGeom>
+        </p:spPr>
+        <p:style>
+          <a:lnRef idx="1">
+            <a:schemeClr val="accent1"/>
+          </a:lnRef>
+          <a:fillRef idx="0">
+            <a:schemeClr val="accent1"/>
+          </a:fillRef>
+          <a:effectRef idx="0">
+            <a:schemeClr val="accent1"/>
+          </a:effectRef>
+          <a:fontRef idx="minor">
+            <a:schemeClr val="tx1"/>
+          </a:fontRef>
+        </p:style>
+      </p:cxnSp>
+      <p:cxnSp>
+        <p:nvCxnSpPr>
+          <p:cNvPr id="44" name="Straight Connector 43">
+            <a:extLst>
+              <a:ext uri="{FF2B5EF4-FFF2-40B4-BE49-F238E27FC236}">
+                <a16:creationId xmlns:a16="http://schemas.microsoft.com/office/drawing/2014/main" id="{6C550BA1-180E-EC40-8C27-CDE0494E0D90}"/>
+              </a:ext>
+            </a:extLst>
+          </p:cNvPr>
+          <p:cNvCxnSpPr/>
+          <p:nvPr/>
+        </p:nvCxnSpPr>
+        <p:spPr>
+          <a:xfrm>
+            <a:off x="5482470" y="1199063"/>
+            <a:ext cx="0" cy="1380640"/>
+          </a:xfrm>
+          <a:prstGeom prst="line">
+            <a:avLst/>
+          </a:prstGeom>
+        </p:spPr>
+        <p:style>
+          <a:lnRef idx="1">
+            <a:schemeClr val="accent1"/>
+          </a:lnRef>
+          <a:fillRef idx="0">
+            <a:schemeClr val="accent1"/>
+          </a:fillRef>
+          <a:effectRef idx="0">
+            <a:schemeClr val="accent1"/>
+          </a:effectRef>
+          <a:fontRef idx="minor">
+            <a:schemeClr val="tx1"/>
+          </a:fontRef>
+        </p:style>
+      </p:cxnSp>
+      <p:cxnSp>
+        <p:nvCxnSpPr>
+          <p:cNvPr id="45" name="Straight Connector 44">
+            <a:extLst>
+              <a:ext uri="{FF2B5EF4-FFF2-40B4-BE49-F238E27FC236}">
+                <a16:creationId xmlns:a16="http://schemas.microsoft.com/office/drawing/2014/main" id="{F78F30A3-68CE-A540-97F6-7EC8508563C0}"/>
+              </a:ext>
+            </a:extLst>
+          </p:cNvPr>
+          <p:cNvCxnSpPr/>
+          <p:nvPr/>
+        </p:nvCxnSpPr>
+        <p:spPr>
+          <a:xfrm>
+            <a:off x="3382878" y="1199063"/>
+            <a:ext cx="0" cy="1380640"/>
+          </a:xfrm>
+          <a:prstGeom prst="line">
+            <a:avLst/>
+          </a:prstGeom>
+        </p:spPr>
+        <p:style>
+          <a:lnRef idx="1">
+            <a:schemeClr val="accent1"/>
+          </a:lnRef>
+          <a:fillRef idx="0">
+            <a:schemeClr val="accent1"/>
+          </a:fillRef>
+          <a:effectRef idx="0">
+            <a:schemeClr val="accent1"/>
+          </a:effectRef>
+          <a:fontRef idx="minor">
+            <a:schemeClr val="tx1"/>
+          </a:fontRef>
+        </p:style>
+      </p:cxnSp>
+    </p:spTree>
+    <p:extLst>
+      <p:ext uri="{BB962C8B-B14F-4D97-AF65-F5344CB8AC3E}">
+        <p14:creationId xmlns:p14="http://schemas.microsoft.com/office/powerpoint/2010/main" val="2904881734"/>
       </p:ext>
     </p:extLst>
   </p:cSld>

--- a/Esquemas/CRISP-DM.pptx
+++ b/Esquemas/CRISP-DM.pptx
@@ -9,6 +9,8 @@
     <p:sldId id="257" r:id="rId3"/>
     <p:sldId id="258" r:id="rId4"/>
     <p:sldId id="259" r:id="rId5"/>
+    <p:sldId id="260" r:id="rId6"/>
+    <p:sldId id="261" r:id="rId7"/>
   </p:sldIdLst>
   <p:sldSz cx="12192000" cy="6858000"/>
   <p:notesSz cx="6858000" cy="9144000"/>
@@ -264,7 +266,7 @@
           <a:p>
             <a:fld id="{59FCF62E-C645-984D-BEB6-8090E3CFBDB1}" type="datetimeFigureOut">
               <a:rPr lang="pt-PT" smtClean="0"/>
-              <a:t>26/04/21</a:t>
+              <a:t>28/04/21</a:t>
             </a:fld>
             <a:endParaRPr lang="pt-PT"/>
           </a:p>
@@ -464,7 +466,7 @@
           <a:p>
             <a:fld id="{59FCF62E-C645-984D-BEB6-8090E3CFBDB1}" type="datetimeFigureOut">
               <a:rPr lang="pt-PT" smtClean="0"/>
-              <a:t>26/04/21</a:t>
+              <a:t>28/04/21</a:t>
             </a:fld>
             <a:endParaRPr lang="pt-PT"/>
           </a:p>
@@ -674,7 +676,7 @@
           <a:p>
             <a:fld id="{59FCF62E-C645-984D-BEB6-8090E3CFBDB1}" type="datetimeFigureOut">
               <a:rPr lang="pt-PT" smtClean="0"/>
-              <a:t>26/04/21</a:t>
+              <a:t>28/04/21</a:t>
             </a:fld>
             <a:endParaRPr lang="pt-PT"/>
           </a:p>
@@ -874,7 +876,7 @@
           <a:p>
             <a:fld id="{59FCF62E-C645-984D-BEB6-8090E3CFBDB1}" type="datetimeFigureOut">
               <a:rPr lang="pt-PT" smtClean="0"/>
-              <a:t>26/04/21</a:t>
+              <a:t>28/04/21</a:t>
             </a:fld>
             <a:endParaRPr lang="pt-PT"/>
           </a:p>
@@ -1150,7 +1152,7 @@
           <a:p>
             <a:fld id="{59FCF62E-C645-984D-BEB6-8090E3CFBDB1}" type="datetimeFigureOut">
               <a:rPr lang="pt-PT" smtClean="0"/>
-              <a:t>26/04/21</a:t>
+              <a:t>28/04/21</a:t>
             </a:fld>
             <a:endParaRPr lang="pt-PT"/>
           </a:p>
@@ -1418,7 +1420,7 @@
           <a:p>
             <a:fld id="{59FCF62E-C645-984D-BEB6-8090E3CFBDB1}" type="datetimeFigureOut">
               <a:rPr lang="pt-PT" smtClean="0"/>
-              <a:t>26/04/21</a:t>
+              <a:t>28/04/21</a:t>
             </a:fld>
             <a:endParaRPr lang="pt-PT"/>
           </a:p>
@@ -1833,7 +1835,7 @@
           <a:p>
             <a:fld id="{59FCF62E-C645-984D-BEB6-8090E3CFBDB1}" type="datetimeFigureOut">
               <a:rPr lang="pt-PT" smtClean="0"/>
-              <a:t>26/04/21</a:t>
+              <a:t>28/04/21</a:t>
             </a:fld>
             <a:endParaRPr lang="pt-PT"/>
           </a:p>
@@ -1975,7 +1977,7 @@
           <a:p>
             <a:fld id="{59FCF62E-C645-984D-BEB6-8090E3CFBDB1}" type="datetimeFigureOut">
               <a:rPr lang="pt-PT" smtClean="0"/>
-              <a:t>26/04/21</a:t>
+              <a:t>28/04/21</a:t>
             </a:fld>
             <a:endParaRPr lang="pt-PT"/>
           </a:p>
@@ -2088,7 +2090,7 @@
           <a:p>
             <a:fld id="{59FCF62E-C645-984D-BEB6-8090E3CFBDB1}" type="datetimeFigureOut">
               <a:rPr lang="pt-PT" smtClean="0"/>
-              <a:t>26/04/21</a:t>
+              <a:t>28/04/21</a:t>
             </a:fld>
             <a:endParaRPr lang="pt-PT"/>
           </a:p>
@@ -2401,7 +2403,7 @@
           <a:p>
             <a:fld id="{59FCF62E-C645-984D-BEB6-8090E3CFBDB1}" type="datetimeFigureOut">
               <a:rPr lang="pt-PT" smtClean="0"/>
-              <a:t>26/04/21</a:t>
+              <a:t>28/04/21</a:t>
             </a:fld>
             <a:endParaRPr lang="pt-PT"/>
           </a:p>
@@ -2690,7 +2692,7 @@
           <a:p>
             <a:fld id="{59FCF62E-C645-984D-BEB6-8090E3CFBDB1}" type="datetimeFigureOut">
               <a:rPr lang="pt-PT" smtClean="0"/>
-              <a:t>26/04/21</a:t>
+              <a:t>28/04/21</a:t>
             </a:fld>
             <a:endParaRPr lang="pt-PT"/>
           </a:p>
@@ -2933,7 +2935,7 @@
           <a:p>
             <a:fld id="{59FCF62E-C645-984D-BEB6-8090E3CFBDB1}" type="datetimeFigureOut">
               <a:rPr lang="pt-PT" smtClean="0"/>
-              <a:t>26/04/21</a:t>
+              <a:t>28/04/21</a:t>
             </a:fld>
             <a:endParaRPr lang="pt-PT"/>
           </a:p>
@@ -4416,6 +4418,953 @@
 </p:sld>
 </file>
 
+<file path=ppt/slides/slide5.xml><?xml version="1.0" encoding="utf-8"?>
+<p:sld xmlns:a="http://schemas.openxmlformats.org/drawingml/2006/main" xmlns:r="http://schemas.openxmlformats.org/officeDocument/2006/relationships" xmlns:p="http://schemas.openxmlformats.org/presentationml/2006/main">
+  <p:cSld>
+    <p:spTree>
+      <p:nvGrpSpPr>
+        <p:cNvPr id="1" name=""/>
+        <p:cNvGrpSpPr/>
+        <p:nvPr/>
+      </p:nvGrpSpPr>
+      <p:grpSpPr>
+        <a:xfrm>
+          <a:off x="0" y="0"/>
+          <a:ext cx="0" cy="0"/>
+          <a:chOff x="0" y="0"/>
+          <a:chExt cx="0" cy="0"/>
+        </a:xfrm>
+      </p:grpSpPr>
+      <p:pic>
+        <p:nvPicPr>
+          <p:cNvPr id="4" name="Picture 3" descr="Diagram&#10;&#10;Description automatically generated">
+            <a:extLst>
+              <a:ext uri="{FF2B5EF4-FFF2-40B4-BE49-F238E27FC236}">
+                <a16:creationId xmlns:a16="http://schemas.microsoft.com/office/drawing/2014/main" id="{BFCED23D-03F9-9A45-ACF0-A455C0B4104B}"/>
+              </a:ext>
+            </a:extLst>
+          </p:cNvPr>
+          <p:cNvPicPr/>
+          <p:nvPr/>
+        </p:nvPicPr>
+        <p:blipFill>
+          <a:blip r:embed="rId2" cstate="print">
+            <a:extLst>
+              <a:ext uri="{28A0092B-C50C-407E-A947-70E740481C1C}">
+                <a14:useLocalDpi xmlns:a14="http://schemas.microsoft.com/office/drawing/2010/main" val="0"/>
+              </a:ext>
+            </a:extLst>
+          </a:blip>
+          <a:stretch>
+            <a:fillRect/>
+          </a:stretch>
+        </p:blipFill>
+        <p:spPr>
+          <a:xfrm>
+            <a:off x="605578" y="226060"/>
+            <a:ext cx="5731510" cy="3202940"/>
+          </a:xfrm>
+          <a:prstGeom prst="rect">
+            <a:avLst/>
+          </a:prstGeom>
+        </p:spPr>
+      </p:pic>
+    </p:spTree>
+    <p:extLst>
+      <p:ext uri="{BB962C8B-B14F-4D97-AF65-F5344CB8AC3E}">
+        <p14:creationId xmlns:p14="http://schemas.microsoft.com/office/powerpoint/2010/main" val="1910689835"/>
+      </p:ext>
+    </p:extLst>
+  </p:cSld>
+  <p:clrMapOvr>
+    <a:masterClrMapping/>
+  </p:clrMapOvr>
+</p:sld>
+</file>
+
+<file path=ppt/slides/slide6.xml><?xml version="1.0" encoding="utf-8"?>
+<p:sld xmlns:a="http://schemas.openxmlformats.org/drawingml/2006/main" xmlns:r="http://schemas.openxmlformats.org/officeDocument/2006/relationships" xmlns:p="http://schemas.openxmlformats.org/presentationml/2006/main">
+  <p:cSld>
+    <p:spTree>
+      <p:nvGrpSpPr>
+        <p:cNvPr id="1" name=""/>
+        <p:cNvGrpSpPr/>
+        <p:nvPr/>
+      </p:nvGrpSpPr>
+      <p:grpSpPr>
+        <a:xfrm>
+          <a:off x="0" y="0"/>
+          <a:ext cx="0" cy="0"/>
+          <a:chOff x="0" y="0"/>
+          <a:chExt cx="0" cy="0"/>
+        </a:xfrm>
+      </p:grpSpPr>
+      <p:sp>
+        <p:nvSpPr>
+          <p:cNvPr id="4" name="TextBox 3">
+            <a:extLst>
+              <a:ext uri="{FF2B5EF4-FFF2-40B4-BE49-F238E27FC236}">
+                <a16:creationId xmlns:a16="http://schemas.microsoft.com/office/drawing/2014/main" id="{5DA67614-CD45-004D-8E2C-1BC0582A525A}"/>
+              </a:ext>
+            </a:extLst>
+          </p:cNvPr>
+          <p:cNvSpPr txBox="1"/>
+          <p:nvPr/>
+        </p:nvSpPr>
+        <p:spPr>
+          <a:xfrm>
+            <a:off x="3735350" y="498222"/>
+            <a:ext cx="2613935" cy="923330"/>
+          </a:xfrm>
+          <a:prstGeom prst="rect">
+            <a:avLst/>
+          </a:prstGeom>
+          <a:ln w="25400"/>
+        </p:spPr>
+        <p:style>
+          <a:lnRef idx="2">
+            <a:schemeClr val="dk1"/>
+          </a:lnRef>
+          <a:fillRef idx="1">
+            <a:schemeClr val="lt1"/>
+          </a:fillRef>
+          <a:effectRef idx="0">
+            <a:schemeClr val="dk1"/>
+          </a:effectRef>
+          <a:fontRef idx="minor">
+            <a:schemeClr val="dk1"/>
+          </a:fontRef>
+        </p:style>
+        <p:txBody>
+          <a:bodyPr wrap="square" rtlCol="0">
+            <a:spAutoFit/>
+          </a:bodyPr>
+          <a:lstStyle/>
+          <a:p>
+            <a:pPr algn="ctr"/>
+            <a:endParaRPr lang="pt-PT" dirty="0"/>
+          </a:p>
+          <a:p>
+            <a:pPr algn="ctr"/>
+            <a:r>
+              <a:rPr lang="pt-PT" dirty="0"/>
+              <a:t>Agente</a:t>
+            </a:r>
+          </a:p>
+          <a:p>
+            <a:pPr algn="ctr"/>
+            <a:r>
+              <a:rPr lang="pt-PT" dirty="0"/>
+              <a:t> </a:t>
+            </a:r>
+          </a:p>
+        </p:txBody>
+      </p:sp>
+      <p:sp>
+        <p:nvSpPr>
+          <p:cNvPr id="5" name="TextBox 4">
+            <a:extLst>
+              <a:ext uri="{FF2B5EF4-FFF2-40B4-BE49-F238E27FC236}">
+                <a16:creationId xmlns:a16="http://schemas.microsoft.com/office/drawing/2014/main" id="{076C0466-4A43-3E47-A42E-558FBCE954D5}"/>
+              </a:ext>
+            </a:extLst>
+          </p:cNvPr>
+          <p:cNvSpPr txBox="1"/>
+          <p:nvPr/>
+        </p:nvSpPr>
+        <p:spPr>
+          <a:xfrm>
+            <a:off x="2612741" y="2621090"/>
+            <a:ext cx="5449434" cy="369332"/>
+          </a:xfrm>
+          <a:prstGeom prst="rect">
+            <a:avLst/>
+          </a:prstGeom>
+          <a:ln w="25400"/>
+        </p:spPr>
+        <p:style>
+          <a:lnRef idx="2">
+            <a:schemeClr val="dk1"/>
+          </a:lnRef>
+          <a:fillRef idx="1">
+            <a:schemeClr val="lt1"/>
+          </a:fillRef>
+          <a:effectRef idx="0">
+            <a:schemeClr val="dk1"/>
+          </a:effectRef>
+          <a:fontRef idx="minor">
+            <a:schemeClr val="dk1"/>
+          </a:fontRef>
+        </p:style>
+        <p:txBody>
+          <a:bodyPr wrap="square" rtlCol="0">
+            <a:spAutoFit/>
+          </a:bodyPr>
+          <a:lstStyle/>
+          <a:p>
+            <a:pPr algn="ctr"/>
+            <a:r>
+              <a:rPr lang="pt-PT" dirty="0"/>
+              <a:t>Ambiente  </a:t>
+            </a:r>
+          </a:p>
+        </p:txBody>
+      </p:sp>
+      <p:cxnSp>
+        <p:nvCxnSpPr>
+          <p:cNvPr id="7" name="Straight Arrow Connector 6">
+            <a:extLst>
+              <a:ext uri="{FF2B5EF4-FFF2-40B4-BE49-F238E27FC236}">
+                <a16:creationId xmlns:a16="http://schemas.microsoft.com/office/drawing/2014/main" id="{17FFB3C3-1C0E-454C-9DAD-9C20F63E0DB7}"/>
+              </a:ext>
+            </a:extLst>
+          </p:cNvPr>
+          <p:cNvCxnSpPr/>
+          <p:nvPr/>
+        </p:nvCxnSpPr>
+        <p:spPr>
+          <a:xfrm flipV="1">
+            <a:off x="3345407" y="1421552"/>
+            <a:ext cx="747451" cy="1199538"/>
+          </a:xfrm>
+          <a:prstGeom prst="straightConnector1">
+            <a:avLst/>
+          </a:prstGeom>
+          <a:ln w="25400">
+            <a:tailEnd type="triangle"/>
+          </a:ln>
+        </p:spPr>
+        <p:style>
+          <a:lnRef idx="1">
+            <a:schemeClr val="dk1"/>
+          </a:lnRef>
+          <a:fillRef idx="0">
+            <a:schemeClr val="dk1"/>
+          </a:fillRef>
+          <a:effectRef idx="0">
+            <a:schemeClr val="dk1"/>
+          </a:effectRef>
+          <a:fontRef idx="minor">
+            <a:schemeClr val="tx1"/>
+          </a:fontRef>
+        </p:style>
+      </p:cxnSp>
+      <p:cxnSp>
+        <p:nvCxnSpPr>
+          <p:cNvPr id="8" name="Straight Arrow Connector 7">
+            <a:extLst>
+              <a:ext uri="{FF2B5EF4-FFF2-40B4-BE49-F238E27FC236}">
+                <a16:creationId xmlns:a16="http://schemas.microsoft.com/office/drawing/2014/main" id="{0142449F-AF1A-544D-8552-CB54315C3BB3}"/>
+              </a:ext>
+            </a:extLst>
+          </p:cNvPr>
+          <p:cNvCxnSpPr/>
+          <p:nvPr/>
+        </p:nvCxnSpPr>
+        <p:spPr>
+          <a:xfrm flipV="1">
+            <a:off x="3794498" y="1421552"/>
+            <a:ext cx="747451" cy="1199538"/>
+          </a:xfrm>
+          <a:prstGeom prst="straightConnector1">
+            <a:avLst/>
+          </a:prstGeom>
+          <a:ln w="25400">
+            <a:tailEnd type="triangle"/>
+          </a:ln>
+        </p:spPr>
+        <p:style>
+          <a:lnRef idx="1">
+            <a:schemeClr val="dk1"/>
+          </a:lnRef>
+          <a:fillRef idx="0">
+            <a:schemeClr val="dk1"/>
+          </a:fillRef>
+          <a:effectRef idx="0">
+            <a:schemeClr val="dk1"/>
+          </a:effectRef>
+          <a:fontRef idx="minor">
+            <a:schemeClr val="tx1"/>
+          </a:fontRef>
+        </p:style>
+      </p:cxnSp>
+      <p:cxnSp>
+        <p:nvCxnSpPr>
+          <p:cNvPr id="9" name="Straight Arrow Connector 8">
+            <a:extLst>
+              <a:ext uri="{FF2B5EF4-FFF2-40B4-BE49-F238E27FC236}">
+                <a16:creationId xmlns:a16="http://schemas.microsoft.com/office/drawing/2014/main" id="{C5FC67AF-EC5C-D148-B5FD-6B1857D3F028}"/>
+              </a:ext>
+            </a:extLst>
+          </p:cNvPr>
+          <p:cNvCxnSpPr>
+            <a:cxnSpLocks/>
+          </p:cNvCxnSpPr>
+          <p:nvPr/>
+        </p:nvCxnSpPr>
+        <p:spPr>
+          <a:xfrm>
+            <a:off x="6096000" y="1421552"/>
+            <a:ext cx="694267" cy="1199538"/>
+          </a:xfrm>
+          <a:prstGeom prst="straightConnector1">
+            <a:avLst/>
+          </a:prstGeom>
+          <a:ln w="25400">
+            <a:tailEnd type="triangle"/>
+          </a:ln>
+        </p:spPr>
+        <p:style>
+          <a:lnRef idx="1">
+            <a:schemeClr val="dk1"/>
+          </a:lnRef>
+          <a:fillRef idx="0">
+            <a:schemeClr val="dk1"/>
+          </a:fillRef>
+          <a:effectRef idx="0">
+            <a:schemeClr val="dk1"/>
+          </a:effectRef>
+          <a:fontRef idx="minor">
+            <a:schemeClr val="tx1"/>
+          </a:fontRef>
+        </p:style>
+      </p:cxnSp>
+      <p:sp>
+        <p:nvSpPr>
+          <p:cNvPr id="12" name="TextBox 11">
+            <a:extLst>
+              <a:ext uri="{FF2B5EF4-FFF2-40B4-BE49-F238E27FC236}">
+                <a16:creationId xmlns:a16="http://schemas.microsoft.com/office/drawing/2014/main" id="{EB724FB2-8A4E-4F48-A612-FB4A98B1EC85}"/>
+              </a:ext>
+            </a:extLst>
+          </p:cNvPr>
+          <p:cNvSpPr txBox="1"/>
+          <p:nvPr/>
+        </p:nvSpPr>
+        <p:spPr>
+          <a:xfrm rot="18086727">
+            <a:off x="2830153" y="1589442"/>
+            <a:ext cx="1625600" cy="338554"/>
+          </a:xfrm>
+          <a:prstGeom prst="rect">
+            <a:avLst/>
+          </a:prstGeom>
+          <a:noFill/>
+        </p:spPr>
+        <p:txBody>
+          <a:bodyPr wrap="square" rtlCol="0">
+            <a:spAutoFit/>
+          </a:bodyPr>
+          <a:lstStyle/>
+          <a:p>
+            <a:r>
+              <a:rPr lang="pt-PT" sz="1600" dirty="0"/>
+              <a:t>Estado</a:t>
+            </a:r>
+          </a:p>
+        </p:txBody>
+      </p:sp>
+      <p:sp>
+        <p:nvSpPr>
+          <p:cNvPr id="13" name="TextBox 12">
+            <a:extLst>
+              <a:ext uri="{FF2B5EF4-FFF2-40B4-BE49-F238E27FC236}">
+                <a16:creationId xmlns:a16="http://schemas.microsoft.com/office/drawing/2014/main" id="{CB1A2D85-AF11-3741-9FAD-BD1011AD3C11}"/>
+              </a:ext>
+            </a:extLst>
+          </p:cNvPr>
+          <p:cNvSpPr txBox="1"/>
+          <p:nvPr/>
+        </p:nvSpPr>
+        <p:spPr>
+          <a:xfrm rot="18018014">
+            <a:off x="3729150" y="1657272"/>
+            <a:ext cx="1625600" cy="338554"/>
+          </a:xfrm>
+          <a:prstGeom prst="rect">
+            <a:avLst/>
+          </a:prstGeom>
+          <a:noFill/>
+        </p:spPr>
+        <p:txBody>
+          <a:bodyPr wrap="square" rtlCol="0">
+            <a:spAutoFit/>
+          </a:bodyPr>
+          <a:lstStyle/>
+          <a:p>
+            <a:r>
+              <a:rPr lang="pt-PT" sz="1600" dirty="0"/>
+              <a:t>Recompensa </a:t>
+            </a:r>
+          </a:p>
+        </p:txBody>
+      </p:sp>
+      <p:sp>
+        <p:nvSpPr>
+          <p:cNvPr id="14" name="TextBox 13">
+            <a:extLst>
+              <a:ext uri="{FF2B5EF4-FFF2-40B4-BE49-F238E27FC236}">
+                <a16:creationId xmlns:a16="http://schemas.microsoft.com/office/drawing/2014/main" id="{1A8B1FD5-6FD4-484C-AAF2-0493CA987EDF}"/>
+              </a:ext>
+            </a:extLst>
+          </p:cNvPr>
+          <p:cNvSpPr txBox="1"/>
+          <p:nvPr/>
+        </p:nvSpPr>
+        <p:spPr>
+          <a:xfrm rot="3411525">
+            <a:off x="6289769" y="1886833"/>
+            <a:ext cx="962026" cy="338554"/>
+          </a:xfrm>
+          <a:prstGeom prst="rect">
+            <a:avLst/>
+          </a:prstGeom>
+          <a:noFill/>
+        </p:spPr>
+        <p:txBody>
+          <a:bodyPr wrap="square" rtlCol="0">
+            <a:spAutoFit/>
+          </a:bodyPr>
+          <a:lstStyle/>
+          <a:p>
+            <a:r>
+              <a:rPr lang="pt-PT" sz="1600" dirty="0"/>
+              <a:t>Ação </a:t>
+            </a:r>
+          </a:p>
+        </p:txBody>
+      </p:sp>
+      <p:cxnSp>
+        <p:nvCxnSpPr>
+          <p:cNvPr id="17" name="Straight Arrow Connector 16">
+            <a:extLst>
+              <a:ext uri="{FF2B5EF4-FFF2-40B4-BE49-F238E27FC236}">
+                <a16:creationId xmlns:a16="http://schemas.microsoft.com/office/drawing/2014/main" id="{790A94A5-8FC4-3641-8B92-75A60431E2C8}"/>
+              </a:ext>
+            </a:extLst>
+          </p:cNvPr>
+          <p:cNvCxnSpPr>
+            <a:cxnSpLocks/>
+          </p:cNvCxnSpPr>
+          <p:nvPr/>
+        </p:nvCxnSpPr>
+        <p:spPr>
+          <a:xfrm>
+            <a:off x="2951547" y="3768918"/>
+            <a:ext cx="1141311" cy="0"/>
+          </a:xfrm>
+          <a:prstGeom prst="straightConnector1">
+            <a:avLst/>
+          </a:prstGeom>
+          <a:ln w="25400">
+            <a:tailEnd type="triangle"/>
+          </a:ln>
+        </p:spPr>
+        <p:style>
+          <a:lnRef idx="1">
+            <a:schemeClr val="dk1"/>
+          </a:lnRef>
+          <a:fillRef idx="0">
+            <a:schemeClr val="dk1"/>
+          </a:fillRef>
+          <a:effectRef idx="0">
+            <a:schemeClr val="dk1"/>
+          </a:effectRef>
+          <a:fontRef idx="minor">
+            <a:schemeClr val="tx1"/>
+          </a:fontRef>
+        </p:style>
+      </p:cxnSp>
+      <p:cxnSp>
+        <p:nvCxnSpPr>
+          <p:cNvPr id="20" name="Straight Arrow Connector 19">
+            <a:extLst>
+              <a:ext uri="{FF2B5EF4-FFF2-40B4-BE49-F238E27FC236}">
+                <a16:creationId xmlns:a16="http://schemas.microsoft.com/office/drawing/2014/main" id="{A0BD3667-25A6-0640-BC36-3F73DD027777}"/>
+              </a:ext>
+            </a:extLst>
+          </p:cNvPr>
+          <p:cNvCxnSpPr>
+            <a:cxnSpLocks/>
+          </p:cNvCxnSpPr>
+          <p:nvPr/>
+        </p:nvCxnSpPr>
+        <p:spPr>
+          <a:xfrm>
+            <a:off x="6920864" y="3744769"/>
+            <a:ext cx="1141311" cy="0"/>
+          </a:xfrm>
+          <a:prstGeom prst="straightConnector1">
+            <a:avLst/>
+          </a:prstGeom>
+          <a:ln w="25400">
+            <a:tailEnd type="triangle"/>
+          </a:ln>
+        </p:spPr>
+        <p:style>
+          <a:lnRef idx="1">
+            <a:schemeClr val="dk1"/>
+          </a:lnRef>
+          <a:fillRef idx="0">
+            <a:schemeClr val="dk1"/>
+          </a:fillRef>
+          <a:effectRef idx="0">
+            <a:schemeClr val="dk1"/>
+          </a:effectRef>
+          <a:fontRef idx="minor">
+            <a:schemeClr val="tx1"/>
+          </a:fontRef>
+        </p:style>
+      </p:cxnSp>
+      <p:cxnSp>
+        <p:nvCxnSpPr>
+          <p:cNvPr id="21" name="Straight Arrow Connector 20">
+            <a:extLst>
+              <a:ext uri="{FF2B5EF4-FFF2-40B4-BE49-F238E27FC236}">
+                <a16:creationId xmlns:a16="http://schemas.microsoft.com/office/drawing/2014/main" id="{3AED0A3C-9721-8245-9091-9C57D655DD0F}"/>
+              </a:ext>
+            </a:extLst>
+          </p:cNvPr>
+          <p:cNvCxnSpPr>
+            <a:cxnSpLocks/>
+          </p:cNvCxnSpPr>
+          <p:nvPr/>
+        </p:nvCxnSpPr>
+        <p:spPr>
+          <a:xfrm>
+            <a:off x="4954689" y="3754487"/>
+            <a:ext cx="1141311" cy="0"/>
+          </a:xfrm>
+          <a:prstGeom prst="straightConnector1">
+            <a:avLst/>
+          </a:prstGeom>
+          <a:ln w="25400">
+            <a:tailEnd type="triangle"/>
+          </a:ln>
+        </p:spPr>
+        <p:style>
+          <a:lnRef idx="1">
+            <a:schemeClr val="dk1"/>
+          </a:lnRef>
+          <a:fillRef idx="0">
+            <a:schemeClr val="dk1"/>
+          </a:fillRef>
+          <a:effectRef idx="0">
+            <a:schemeClr val="dk1"/>
+          </a:effectRef>
+          <a:fontRef idx="minor">
+            <a:schemeClr val="tx1"/>
+          </a:fontRef>
+        </p:style>
+      </p:cxnSp>
+      <p:sp>
+        <p:nvSpPr>
+          <p:cNvPr id="22" name="TextBox 21">
+            <a:extLst>
+              <a:ext uri="{FF2B5EF4-FFF2-40B4-BE49-F238E27FC236}">
+                <a16:creationId xmlns:a16="http://schemas.microsoft.com/office/drawing/2014/main" id="{9D0CFE54-9011-DA46-9072-AFE8214C07F3}"/>
+              </a:ext>
+            </a:extLst>
+          </p:cNvPr>
+          <p:cNvSpPr txBox="1"/>
+          <p:nvPr/>
+        </p:nvSpPr>
+        <p:spPr>
+          <a:xfrm>
+            <a:off x="2502456" y="3588355"/>
+            <a:ext cx="406400" cy="369332"/>
+          </a:xfrm>
+          <a:prstGeom prst="rect">
+            <a:avLst/>
+          </a:prstGeom>
+          <a:noFill/>
+        </p:spPr>
+        <p:txBody>
+          <a:bodyPr wrap="square" rtlCol="0">
+            <a:spAutoFit/>
+          </a:bodyPr>
+          <a:lstStyle/>
+          <a:p>
+            <a:r>
+              <a:rPr lang="pt-PT" dirty="0"/>
+              <a:t>E</a:t>
+            </a:r>
+            <a:r>
+              <a:rPr lang="pt-PT" baseline="-25000" dirty="0"/>
+              <a:t>0</a:t>
+            </a:r>
+            <a:endParaRPr lang="pt-PT" dirty="0"/>
+          </a:p>
+        </p:txBody>
+      </p:sp>
+      <p:sp>
+        <p:nvSpPr>
+          <p:cNvPr id="23" name="TextBox 22">
+            <a:extLst>
+              <a:ext uri="{FF2B5EF4-FFF2-40B4-BE49-F238E27FC236}">
+                <a16:creationId xmlns:a16="http://schemas.microsoft.com/office/drawing/2014/main" id="{CB4AFCE9-1A4A-144F-AB08-F91C439662E9}"/>
+              </a:ext>
+            </a:extLst>
+          </p:cNvPr>
+          <p:cNvSpPr txBox="1"/>
+          <p:nvPr/>
+        </p:nvSpPr>
+        <p:spPr>
+          <a:xfrm>
+            <a:off x="4338749" y="3584252"/>
+            <a:ext cx="406400" cy="369332"/>
+          </a:xfrm>
+          <a:prstGeom prst="rect">
+            <a:avLst/>
+          </a:prstGeom>
+          <a:noFill/>
+        </p:spPr>
+        <p:txBody>
+          <a:bodyPr wrap="square" rtlCol="0">
+            <a:spAutoFit/>
+          </a:bodyPr>
+          <a:lstStyle/>
+          <a:p>
+            <a:r>
+              <a:rPr lang="pt-PT" dirty="0"/>
+              <a:t>E</a:t>
+            </a:r>
+            <a:r>
+              <a:rPr lang="pt-PT" baseline="-25000" dirty="0"/>
+              <a:t>1</a:t>
+            </a:r>
+            <a:endParaRPr lang="pt-PT" dirty="0"/>
+          </a:p>
+        </p:txBody>
+      </p:sp>
+      <p:sp>
+        <p:nvSpPr>
+          <p:cNvPr id="24" name="TextBox 23">
+            <a:extLst>
+              <a:ext uri="{FF2B5EF4-FFF2-40B4-BE49-F238E27FC236}">
+                <a16:creationId xmlns:a16="http://schemas.microsoft.com/office/drawing/2014/main" id="{054E3CF0-8FB4-F048-B153-2B3F139521DE}"/>
+              </a:ext>
+            </a:extLst>
+          </p:cNvPr>
+          <p:cNvSpPr txBox="1"/>
+          <p:nvPr/>
+        </p:nvSpPr>
+        <p:spPr>
+          <a:xfrm>
+            <a:off x="6349285" y="3560103"/>
+            <a:ext cx="406400" cy="369332"/>
+          </a:xfrm>
+          <a:prstGeom prst="rect">
+            <a:avLst/>
+          </a:prstGeom>
+          <a:noFill/>
+        </p:spPr>
+        <p:txBody>
+          <a:bodyPr wrap="square" rtlCol="0">
+            <a:spAutoFit/>
+          </a:bodyPr>
+          <a:lstStyle/>
+          <a:p>
+            <a:r>
+              <a:rPr lang="pt-PT" dirty="0"/>
+              <a:t>E</a:t>
+            </a:r>
+            <a:r>
+              <a:rPr lang="pt-PT" baseline="-25000" dirty="0"/>
+              <a:t>2</a:t>
+            </a:r>
+            <a:endParaRPr lang="pt-PT" dirty="0"/>
+          </a:p>
+        </p:txBody>
+      </p:sp>
+      <p:sp>
+        <p:nvSpPr>
+          <p:cNvPr id="25" name="TextBox 24">
+            <a:extLst>
+              <a:ext uri="{FF2B5EF4-FFF2-40B4-BE49-F238E27FC236}">
+                <a16:creationId xmlns:a16="http://schemas.microsoft.com/office/drawing/2014/main" id="{165EA7E6-E420-2649-BC15-BA8A68ADCD8D}"/>
+              </a:ext>
+            </a:extLst>
+          </p:cNvPr>
+          <p:cNvSpPr txBox="1"/>
+          <p:nvPr/>
+        </p:nvSpPr>
+        <p:spPr>
+          <a:xfrm>
+            <a:off x="2810426" y="3382421"/>
+            <a:ext cx="406400" cy="338554"/>
+          </a:xfrm>
+          <a:prstGeom prst="rect">
+            <a:avLst/>
+          </a:prstGeom>
+          <a:noFill/>
+        </p:spPr>
+        <p:txBody>
+          <a:bodyPr wrap="square" rtlCol="0">
+            <a:spAutoFit/>
+          </a:bodyPr>
+          <a:lstStyle/>
+          <a:p>
+            <a:r>
+              <a:rPr lang="pt-PT" sz="1600" dirty="0"/>
+              <a:t>a</a:t>
+            </a:r>
+            <a:r>
+              <a:rPr lang="pt-PT" sz="1600" baseline="-25000" dirty="0"/>
+              <a:t>0</a:t>
+            </a:r>
+            <a:endParaRPr lang="pt-PT" dirty="0"/>
+          </a:p>
+        </p:txBody>
+      </p:sp>
+      <p:sp>
+        <p:nvSpPr>
+          <p:cNvPr id="26" name="TextBox 25">
+            <a:extLst>
+              <a:ext uri="{FF2B5EF4-FFF2-40B4-BE49-F238E27FC236}">
+                <a16:creationId xmlns:a16="http://schemas.microsoft.com/office/drawing/2014/main" id="{4875D91C-9565-9245-A3F8-101A3B4EB9D3}"/>
+              </a:ext>
+            </a:extLst>
+          </p:cNvPr>
+          <p:cNvSpPr txBox="1"/>
+          <p:nvPr/>
+        </p:nvSpPr>
+        <p:spPr>
+          <a:xfrm>
+            <a:off x="4839117" y="3385155"/>
+            <a:ext cx="406400" cy="338554"/>
+          </a:xfrm>
+          <a:prstGeom prst="rect">
+            <a:avLst/>
+          </a:prstGeom>
+          <a:noFill/>
+        </p:spPr>
+        <p:txBody>
+          <a:bodyPr wrap="square" rtlCol="0">
+            <a:spAutoFit/>
+          </a:bodyPr>
+          <a:lstStyle/>
+          <a:p>
+            <a:r>
+              <a:rPr lang="pt-PT" sz="1600" dirty="0"/>
+              <a:t>a</a:t>
+            </a:r>
+            <a:r>
+              <a:rPr lang="pt-PT" sz="1600" baseline="-25000" dirty="0"/>
+              <a:t>1</a:t>
+            </a:r>
+            <a:endParaRPr lang="pt-PT" dirty="0"/>
+          </a:p>
+        </p:txBody>
+      </p:sp>
+      <p:sp>
+        <p:nvSpPr>
+          <p:cNvPr id="27" name="TextBox 26">
+            <a:extLst>
+              <a:ext uri="{FF2B5EF4-FFF2-40B4-BE49-F238E27FC236}">
+                <a16:creationId xmlns:a16="http://schemas.microsoft.com/office/drawing/2014/main" id="{3CE79F3E-1F9C-1041-89E8-06427C091853}"/>
+              </a:ext>
+            </a:extLst>
+          </p:cNvPr>
+          <p:cNvSpPr txBox="1"/>
+          <p:nvPr/>
+        </p:nvSpPr>
+        <p:spPr>
+          <a:xfrm>
+            <a:off x="6805770" y="3382421"/>
+            <a:ext cx="406400" cy="338554"/>
+          </a:xfrm>
+          <a:prstGeom prst="rect">
+            <a:avLst/>
+          </a:prstGeom>
+          <a:noFill/>
+        </p:spPr>
+        <p:txBody>
+          <a:bodyPr wrap="square" rtlCol="0">
+            <a:spAutoFit/>
+          </a:bodyPr>
+          <a:lstStyle/>
+          <a:p>
+            <a:r>
+              <a:rPr lang="pt-PT" sz="1600" dirty="0"/>
+              <a:t>a</a:t>
+            </a:r>
+            <a:r>
+              <a:rPr lang="pt-PT" sz="1600" baseline="-25000" dirty="0"/>
+              <a:t>2</a:t>
+            </a:r>
+            <a:endParaRPr lang="pt-PT" dirty="0"/>
+          </a:p>
+        </p:txBody>
+      </p:sp>
+      <p:sp>
+        <p:nvSpPr>
+          <p:cNvPr id="28" name="TextBox 27">
+            <a:extLst>
+              <a:ext uri="{FF2B5EF4-FFF2-40B4-BE49-F238E27FC236}">
+                <a16:creationId xmlns:a16="http://schemas.microsoft.com/office/drawing/2014/main" id="{B0AC9DE0-DB22-9A4A-BBED-A9F3CA154F35}"/>
+              </a:ext>
+            </a:extLst>
+          </p:cNvPr>
+          <p:cNvSpPr txBox="1"/>
+          <p:nvPr/>
+        </p:nvSpPr>
+        <p:spPr>
+          <a:xfrm>
+            <a:off x="3650107" y="3766271"/>
+            <a:ext cx="406400" cy="338554"/>
+          </a:xfrm>
+          <a:prstGeom prst="rect">
+            <a:avLst/>
+          </a:prstGeom>
+          <a:noFill/>
+        </p:spPr>
+        <p:txBody>
+          <a:bodyPr wrap="square" rtlCol="0">
+            <a:spAutoFit/>
+          </a:bodyPr>
+          <a:lstStyle/>
+          <a:p>
+            <a:r>
+              <a:rPr lang="pt-PT" sz="1600" dirty="0"/>
+              <a:t>r</a:t>
+            </a:r>
+            <a:r>
+              <a:rPr lang="pt-PT" sz="1600" baseline="-25000" dirty="0"/>
+              <a:t>0</a:t>
+            </a:r>
+            <a:endParaRPr lang="pt-PT" dirty="0"/>
+          </a:p>
+        </p:txBody>
+      </p:sp>
+      <p:sp>
+        <p:nvSpPr>
+          <p:cNvPr id="29" name="TextBox 28">
+            <a:extLst>
+              <a:ext uri="{FF2B5EF4-FFF2-40B4-BE49-F238E27FC236}">
+                <a16:creationId xmlns:a16="http://schemas.microsoft.com/office/drawing/2014/main" id="{EBD17A83-EF35-FE46-9BAC-1F6D83B7F8E1}"/>
+              </a:ext>
+            </a:extLst>
+          </p:cNvPr>
+          <p:cNvSpPr txBox="1"/>
+          <p:nvPr/>
+        </p:nvSpPr>
+        <p:spPr>
+          <a:xfrm>
+            <a:off x="5689600" y="3754487"/>
+            <a:ext cx="406400" cy="338554"/>
+          </a:xfrm>
+          <a:prstGeom prst="rect">
+            <a:avLst/>
+          </a:prstGeom>
+          <a:noFill/>
+        </p:spPr>
+        <p:txBody>
+          <a:bodyPr wrap="square" rtlCol="0">
+            <a:spAutoFit/>
+          </a:bodyPr>
+          <a:lstStyle/>
+          <a:p>
+            <a:r>
+              <a:rPr lang="pt-PT" sz="1600" dirty="0"/>
+              <a:t>r</a:t>
+            </a:r>
+            <a:r>
+              <a:rPr lang="pt-PT" sz="1600" baseline="-25000" dirty="0"/>
+              <a:t>1</a:t>
+            </a:r>
+            <a:endParaRPr lang="pt-PT" dirty="0"/>
+          </a:p>
+        </p:txBody>
+      </p:sp>
+      <p:sp>
+        <p:nvSpPr>
+          <p:cNvPr id="30" name="TextBox 29">
+            <a:extLst>
+              <a:ext uri="{FF2B5EF4-FFF2-40B4-BE49-F238E27FC236}">
+                <a16:creationId xmlns:a16="http://schemas.microsoft.com/office/drawing/2014/main" id="{F1583E70-E4E0-B444-9CB0-256F4181F55A}"/>
+              </a:ext>
+            </a:extLst>
+          </p:cNvPr>
+          <p:cNvSpPr txBox="1"/>
+          <p:nvPr/>
+        </p:nvSpPr>
+        <p:spPr>
+          <a:xfrm>
+            <a:off x="7651959" y="3784307"/>
+            <a:ext cx="406400" cy="338554"/>
+          </a:xfrm>
+          <a:prstGeom prst="rect">
+            <a:avLst/>
+          </a:prstGeom>
+          <a:noFill/>
+        </p:spPr>
+        <p:txBody>
+          <a:bodyPr wrap="square" rtlCol="0">
+            <a:spAutoFit/>
+          </a:bodyPr>
+          <a:lstStyle/>
+          <a:p>
+            <a:r>
+              <a:rPr lang="pt-PT" sz="1600" dirty="0"/>
+              <a:t>r</a:t>
+            </a:r>
+            <a:r>
+              <a:rPr lang="pt-PT" sz="1600" baseline="-25000" dirty="0"/>
+              <a:t>2</a:t>
+            </a:r>
+            <a:endParaRPr lang="pt-PT" dirty="0"/>
+          </a:p>
+        </p:txBody>
+      </p:sp>
+      <p:sp>
+        <p:nvSpPr>
+          <p:cNvPr id="31" name="TextBox 30">
+            <a:extLst>
+              <a:ext uri="{FF2B5EF4-FFF2-40B4-BE49-F238E27FC236}">
+                <a16:creationId xmlns:a16="http://schemas.microsoft.com/office/drawing/2014/main" id="{0D6AEA1B-8C98-BD48-A820-A34537E9226B}"/>
+              </a:ext>
+            </a:extLst>
+          </p:cNvPr>
+          <p:cNvSpPr txBox="1"/>
+          <p:nvPr/>
+        </p:nvSpPr>
+        <p:spPr>
+          <a:xfrm>
+            <a:off x="8124662" y="3475442"/>
+            <a:ext cx="643467" cy="369332"/>
+          </a:xfrm>
+          <a:prstGeom prst="rect">
+            <a:avLst/>
+          </a:prstGeom>
+          <a:noFill/>
+        </p:spPr>
+        <p:txBody>
+          <a:bodyPr wrap="square" rtlCol="0">
+            <a:spAutoFit/>
+          </a:bodyPr>
+          <a:lstStyle/>
+          <a:p>
+            <a:r>
+              <a:rPr lang="pt-PT" dirty="0"/>
+              <a:t>...</a:t>
+            </a:r>
+          </a:p>
+        </p:txBody>
+      </p:sp>
+    </p:spTree>
+    <p:extLst>
+      <p:ext uri="{BB962C8B-B14F-4D97-AF65-F5344CB8AC3E}">
+        <p14:creationId xmlns:p14="http://schemas.microsoft.com/office/powerpoint/2010/main" val="614377114"/>
+      </p:ext>
+    </p:extLst>
+  </p:cSld>
+  <p:clrMapOvr>
+    <a:masterClrMapping/>
+  </p:clrMapOvr>
+</p:sld>
+</file>
+
 <file path=ppt/theme/theme1.xml><?xml version="1.0" encoding="utf-8"?>
 <a:theme xmlns:a="http://schemas.openxmlformats.org/drawingml/2006/main" name="Office Theme">
   <a:themeElements>

--- a/Esquemas/CRISP-DM.pptx
+++ b/Esquemas/CRISP-DM.pptx
@@ -11,6 +11,7 @@
     <p:sldId id="259" r:id="rId5"/>
     <p:sldId id="260" r:id="rId6"/>
     <p:sldId id="261" r:id="rId7"/>
+    <p:sldId id="262" r:id="rId8"/>
   </p:sldIdLst>
   <p:sldSz cx="12192000" cy="6858000"/>
   <p:notesSz cx="6858000" cy="9144000"/>
@@ -266,7 +267,7 @@
           <a:p>
             <a:fld id="{59FCF62E-C645-984D-BEB6-8090E3CFBDB1}" type="datetimeFigureOut">
               <a:rPr lang="pt-PT" smtClean="0"/>
-              <a:t>28/04/21</a:t>
+              <a:t>03/05/21</a:t>
             </a:fld>
             <a:endParaRPr lang="pt-PT"/>
           </a:p>
@@ -466,7 +467,7 @@
           <a:p>
             <a:fld id="{59FCF62E-C645-984D-BEB6-8090E3CFBDB1}" type="datetimeFigureOut">
               <a:rPr lang="pt-PT" smtClean="0"/>
-              <a:t>28/04/21</a:t>
+              <a:t>03/05/21</a:t>
             </a:fld>
             <a:endParaRPr lang="pt-PT"/>
           </a:p>
@@ -676,7 +677,7 @@
           <a:p>
             <a:fld id="{59FCF62E-C645-984D-BEB6-8090E3CFBDB1}" type="datetimeFigureOut">
               <a:rPr lang="pt-PT" smtClean="0"/>
-              <a:t>28/04/21</a:t>
+              <a:t>03/05/21</a:t>
             </a:fld>
             <a:endParaRPr lang="pt-PT"/>
           </a:p>
@@ -876,7 +877,7 @@
           <a:p>
             <a:fld id="{59FCF62E-C645-984D-BEB6-8090E3CFBDB1}" type="datetimeFigureOut">
               <a:rPr lang="pt-PT" smtClean="0"/>
-              <a:t>28/04/21</a:t>
+              <a:t>03/05/21</a:t>
             </a:fld>
             <a:endParaRPr lang="pt-PT"/>
           </a:p>
@@ -1152,7 +1153,7 @@
           <a:p>
             <a:fld id="{59FCF62E-C645-984D-BEB6-8090E3CFBDB1}" type="datetimeFigureOut">
               <a:rPr lang="pt-PT" smtClean="0"/>
-              <a:t>28/04/21</a:t>
+              <a:t>03/05/21</a:t>
             </a:fld>
             <a:endParaRPr lang="pt-PT"/>
           </a:p>
@@ -1420,7 +1421,7 @@
           <a:p>
             <a:fld id="{59FCF62E-C645-984D-BEB6-8090E3CFBDB1}" type="datetimeFigureOut">
               <a:rPr lang="pt-PT" smtClean="0"/>
-              <a:t>28/04/21</a:t>
+              <a:t>03/05/21</a:t>
             </a:fld>
             <a:endParaRPr lang="pt-PT"/>
           </a:p>
@@ -1835,7 +1836,7 @@
           <a:p>
             <a:fld id="{59FCF62E-C645-984D-BEB6-8090E3CFBDB1}" type="datetimeFigureOut">
               <a:rPr lang="pt-PT" smtClean="0"/>
-              <a:t>28/04/21</a:t>
+              <a:t>03/05/21</a:t>
             </a:fld>
             <a:endParaRPr lang="pt-PT"/>
           </a:p>
@@ -1977,7 +1978,7 @@
           <a:p>
             <a:fld id="{59FCF62E-C645-984D-BEB6-8090E3CFBDB1}" type="datetimeFigureOut">
               <a:rPr lang="pt-PT" smtClean="0"/>
-              <a:t>28/04/21</a:t>
+              <a:t>03/05/21</a:t>
             </a:fld>
             <a:endParaRPr lang="pt-PT"/>
           </a:p>
@@ -2090,7 +2091,7 @@
           <a:p>
             <a:fld id="{59FCF62E-C645-984D-BEB6-8090E3CFBDB1}" type="datetimeFigureOut">
               <a:rPr lang="pt-PT" smtClean="0"/>
-              <a:t>28/04/21</a:t>
+              <a:t>03/05/21</a:t>
             </a:fld>
             <a:endParaRPr lang="pt-PT"/>
           </a:p>
@@ -2403,7 +2404,7 @@
           <a:p>
             <a:fld id="{59FCF62E-C645-984D-BEB6-8090E3CFBDB1}" type="datetimeFigureOut">
               <a:rPr lang="pt-PT" smtClean="0"/>
-              <a:t>28/04/21</a:t>
+              <a:t>03/05/21</a:t>
             </a:fld>
             <a:endParaRPr lang="pt-PT"/>
           </a:p>
@@ -2692,7 +2693,7 @@
           <a:p>
             <a:fld id="{59FCF62E-C645-984D-BEB6-8090E3CFBDB1}" type="datetimeFigureOut">
               <a:rPr lang="pt-PT" smtClean="0"/>
-              <a:t>28/04/21</a:t>
+              <a:t>03/05/21</a:t>
             </a:fld>
             <a:endParaRPr lang="pt-PT"/>
           </a:p>
@@ -2935,7 +2936,7 @@
           <a:p>
             <a:fld id="{59FCF62E-C645-984D-BEB6-8090E3CFBDB1}" type="datetimeFigureOut">
               <a:rPr lang="pt-PT" smtClean="0"/>
-              <a:t>28/04/21</a:t>
+              <a:t>03/05/21</a:t>
             </a:fld>
             <a:endParaRPr lang="pt-PT"/>
           </a:p>
@@ -5365,6 +5366,697 @@
 </p:sld>
 </file>
 
+<file path=ppt/slides/slide7.xml><?xml version="1.0" encoding="utf-8"?>
+<p:sld xmlns:a="http://schemas.openxmlformats.org/drawingml/2006/main" xmlns:r="http://schemas.openxmlformats.org/officeDocument/2006/relationships" xmlns:p="http://schemas.openxmlformats.org/presentationml/2006/main">
+  <p:cSld>
+    <p:spTree>
+      <p:nvGrpSpPr>
+        <p:cNvPr id="1" name=""/>
+        <p:cNvGrpSpPr/>
+        <p:nvPr/>
+      </p:nvGrpSpPr>
+      <p:grpSpPr>
+        <a:xfrm>
+          <a:off x="0" y="0"/>
+          <a:ext cx="0" cy="0"/>
+          <a:chOff x="0" y="0"/>
+          <a:chExt cx="0" cy="0"/>
+        </a:xfrm>
+      </p:grpSpPr>
+      <p:pic>
+        <p:nvPicPr>
+          <p:cNvPr id="5" name="Picture 4" descr="Chart, line chart&#10;&#10;Description automatically generated">
+            <a:extLst>
+              <a:ext uri="{FF2B5EF4-FFF2-40B4-BE49-F238E27FC236}">
+                <a16:creationId xmlns:a16="http://schemas.microsoft.com/office/drawing/2014/main" id="{6B0E4A5D-3409-BA4B-9FF2-4B189E13A6EA}"/>
+              </a:ext>
+            </a:extLst>
+          </p:cNvPr>
+          <p:cNvPicPr>
+            <a:picLocks noChangeAspect="1"/>
+          </p:cNvPicPr>
+          <p:nvPr/>
+        </p:nvPicPr>
+        <p:blipFill>
+          <a:blip r:embed="rId2"/>
+          <a:stretch>
+            <a:fillRect/>
+          </a:stretch>
+        </p:blipFill>
+        <p:spPr>
+          <a:xfrm>
+            <a:off x="0" y="1014461"/>
+            <a:ext cx="12192000" cy="4829077"/>
+          </a:xfrm>
+          <a:prstGeom prst="rect">
+            <a:avLst/>
+          </a:prstGeom>
+        </p:spPr>
+      </p:pic>
+      <p:sp>
+        <p:nvSpPr>
+          <p:cNvPr id="6" name="TextBox 5">
+            <a:extLst>
+              <a:ext uri="{FF2B5EF4-FFF2-40B4-BE49-F238E27FC236}">
+                <a16:creationId xmlns:a16="http://schemas.microsoft.com/office/drawing/2014/main" id="{DF19BF95-5673-0B43-9ABE-1DA1CB29E0EF}"/>
+              </a:ext>
+            </a:extLst>
+          </p:cNvPr>
+          <p:cNvSpPr txBox="1"/>
+          <p:nvPr/>
+        </p:nvSpPr>
+        <p:spPr>
+          <a:xfrm rot="16200000">
+            <a:off x="-1398632" y="2622125"/>
+            <a:ext cx="3166596" cy="369332"/>
+          </a:xfrm>
+          <a:prstGeom prst="rect">
+            <a:avLst/>
+          </a:prstGeom>
+          <a:solidFill>
+            <a:schemeClr val="bg1"/>
+          </a:solidFill>
+        </p:spPr>
+        <p:txBody>
+          <a:bodyPr wrap="square" rtlCol="0">
+            <a:spAutoFit/>
+          </a:bodyPr>
+          <a:lstStyle/>
+          <a:p>
+            <a:r>
+              <a:rPr lang="pt-PT" dirty="0">
+                <a:solidFill>
+                  <a:schemeClr val="bg1"/>
+                </a:solidFill>
+              </a:rPr>
+              <a:t>Probabilidade de Falha </a:t>
+            </a:r>
+          </a:p>
+        </p:txBody>
+      </p:sp>
+      <p:sp>
+        <p:nvSpPr>
+          <p:cNvPr id="7" name="TextBox 6">
+            <a:extLst>
+              <a:ext uri="{FF2B5EF4-FFF2-40B4-BE49-F238E27FC236}">
+                <a16:creationId xmlns:a16="http://schemas.microsoft.com/office/drawing/2014/main" id="{8462E614-6452-2B48-BCC1-C178F8B30CDE}"/>
+              </a:ext>
+            </a:extLst>
+          </p:cNvPr>
+          <p:cNvSpPr txBox="1"/>
+          <p:nvPr/>
+        </p:nvSpPr>
+        <p:spPr>
+          <a:xfrm>
+            <a:off x="2731263" y="5393308"/>
+            <a:ext cx="2278619" cy="338554"/>
+          </a:xfrm>
+          <a:prstGeom prst="rect">
+            <a:avLst/>
+          </a:prstGeom>
+          <a:solidFill>
+            <a:schemeClr val="bg1"/>
+          </a:solidFill>
+        </p:spPr>
+        <p:txBody>
+          <a:bodyPr wrap="square" rtlCol="0">
+            <a:spAutoFit/>
+          </a:bodyPr>
+          <a:lstStyle/>
+          <a:p>
+            <a:r>
+              <a:rPr lang="pt-PT" sz="1600" dirty="0"/>
+              <a:t>        z</a:t>
+            </a:r>
+          </a:p>
+        </p:txBody>
+      </p:sp>
+      <p:sp>
+        <p:nvSpPr>
+          <p:cNvPr id="8" name="TextBox 7">
+            <a:extLst>
+              <a:ext uri="{FF2B5EF4-FFF2-40B4-BE49-F238E27FC236}">
+                <a16:creationId xmlns:a16="http://schemas.microsoft.com/office/drawing/2014/main" id="{9A0D9ADA-B82A-A444-937F-701944406ED9}"/>
+              </a:ext>
+            </a:extLst>
+          </p:cNvPr>
+          <p:cNvSpPr txBox="1"/>
+          <p:nvPr/>
+        </p:nvSpPr>
+        <p:spPr>
+          <a:xfrm>
+            <a:off x="9014006" y="5407657"/>
+            <a:ext cx="2278619" cy="338554"/>
+          </a:xfrm>
+          <a:prstGeom prst="rect">
+            <a:avLst/>
+          </a:prstGeom>
+          <a:solidFill>
+            <a:schemeClr val="bg1"/>
+          </a:solidFill>
+        </p:spPr>
+        <p:txBody>
+          <a:bodyPr wrap="square" rtlCol="0">
+            <a:spAutoFit/>
+          </a:bodyPr>
+          <a:lstStyle/>
+          <a:p>
+            <a:r>
+              <a:rPr lang="pt-PT" sz="1600" dirty="0"/>
+              <a:t>        z</a:t>
+            </a:r>
+          </a:p>
+        </p:txBody>
+      </p:sp>
+      <mc:AlternateContent xmlns:mc="http://schemas.openxmlformats.org/markup-compatibility/2006">
+        <mc:Choice xmlns:a14="http://schemas.microsoft.com/office/drawing/2010/main" Requires="a14">
+          <p:sp>
+            <p:nvSpPr>
+              <p:cNvPr id="10" name="TextBox 9">
+                <a:extLst>
+                  <a:ext uri="{FF2B5EF4-FFF2-40B4-BE49-F238E27FC236}">
+                    <a16:creationId xmlns:a16="http://schemas.microsoft.com/office/drawing/2014/main" id="{8D0E00F2-4536-954E-A02B-7120402C8EF1}"/>
+                  </a:ext>
+                </a:extLst>
+              </p:cNvPr>
+              <p:cNvSpPr txBox="1"/>
+              <p:nvPr/>
+            </p:nvSpPr>
+            <p:spPr>
+              <a:xfrm rot="16200000">
+                <a:off x="4749687" y="2706786"/>
+                <a:ext cx="3166596" cy="307777"/>
+              </a:xfrm>
+              <a:prstGeom prst="rect">
+                <a:avLst/>
+              </a:prstGeom>
+              <a:solidFill>
+                <a:schemeClr val="bg1"/>
+              </a:solidFill>
+            </p:spPr>
+            <p:txBody>
+              <a:bodyPr wrap="square" rtlCol="0">
+                <a:spAutoFit/>
+              </a:bodyPr>
+              <a:lstStyle/>
+              <a:p>
+                <a14:m>
+                  <m:oMathPara xmlns:m="http://schemas.openxmlformats.org/officeDocument/2006/math">
+                    <m:oMathParaPr>
+                      <m:jc m:val="centerGroup"/>
+                    </m:oMathParaPr>
+                    <m:oMath xmlns:m="http://schemas.openxmlformats.org/officeDocument/2006/math">
+                      <m:r>
+                        <a:rPr lang="pt-PT" sz="1400" i="1" smtClean="0">
+                          <a:latin typeface="Cambria Math" panose="02040503050406030204" pitchFamily="18" charset="0"/>
+                          <a:ea typeface="Cambria Math" panose="02040503050406030204" pitchFamily="18" charset="0"/>
+                        </a:rPr>
+                        <m:t>𝜙</m:t>
+                      </m:r>
+                      <m:r>
+                        <a:rPr lang="pt-PT" sz="1400" b="0" i="1" smtClean="0">
+                          <a:latin typeface="Cambria Math" panose="02040503050406030204" pitchFamily="18" charset="0"/>
+                          <a:ea typeface="Cambria Math" panose="02040503050406030204" pitchFamily="18" charset="0"/>
+                        </a:rPr>
+                        <m:t> </m:t>
+                      </m:r>
+                      <m:d>
+                        <m:dPr>
+                          <m:ctrlPr>
+                            <a:rPr lang="pt-PT" sz="1400" i="1">
+                              <a:latin typeface="Cambria Math" panose="02040503050406030204" pitchFamily="18" charset="0"/>
+                              <a:ea typeface="Cambria Math" panose="02040503050406030204" pitchFamily="18" charset="0"/>
+                            </a:rPr>
+                          </m:ctrlPr>
+                        </m:dPr>
+                        <m:e>
+                          <m:r>
+                            <a:rPr lang="pt-PT" sz="1400" i="1">
+                              <a:latin typeface="Cambria Math" panose="02040503050406030204" pitchFamily="18" charset="0"/>
+                              <a:ea typeface="Cambria Math" panose="02040503050406030204" pitchFamily="18" charset="0"/>
+                            </a:rPr>
+                            <m:t>𝑧</m:t>
+                          </m:r>
+                        </m:e>
+                      </m:d>
+                    </m:oMath>
+                  </m:oMathPara>
+                </a14:m>
+                <a:endParaRPr lang="pt-PT" sz="1400" dirty="0"/>
+              </a:p>
+            </p:txBody>
+          </p:sp>
+        </mc:Choice>
+        <mc:Fallback>
+          <p:sp>
+            <p:nvSpPr>
+              <p:cNvPr id="10" name="TextBox 9">
+                <a:extLst>
+                  <a:ext uri="{FF2B5EF4-FFF2-40B4-BE49-F238E27FC236}">
+                    <a16:creationId xmlns:a16="http://schemas.microsoft.com/office/drawing/2014/main" id="{8D0E00F2-4536-954E-A02B-7120402C8EF1}"/>
+                  </a:ext>
+                </a:extLst>
+              </p:cNvPr>
+              <p:cNvSpPr txBox="1">
+                <a:spLocks noRot="1" noChangeAspect="1" noMove="1" noResize="1" noEditPoints="1" noAdjustHandles="1" noChangeArrowheads="1" noChangeShapeType="1" noTextEdit="1"/>
+              </p:cNvSpPr>
+              <p:nvPr/>
+            </p:nvSpPr>
+            <p:spPr>
+              <a:xfrm rot="16200000">
+                <a:off x="4749687" y="2706786"/>
+                <a:ext cx="3166596" cy="307777"/>
+              </a:xfrm>
+              <a:prstGeom prst="rect">
+                <a:avLst/>
+              </a:prstGeom>
+              <a:blipFill>
+                <a:blip r:embed="rId3"/>
+                <a:stretch>
+                  <a:fillRect r="-12000"/>
+                </a:stretch>
+              </a:blipFill>
+            </p:spPr>
+            <p:txBody>
+              <a:bodyPr/>
+              <a:lstStyle/>
+              <a:p>
+                <a:r>
+                  <a:rPr lang="pt-PT">
+                    <a:noFill/>
+                  </a:rPr>
+                  <a:t> </a:t>
+                </a:r>
+              </a:p>
+            </p:txBody>
+          </p:sp>
+        </mc:Fallback>
+      </mc:AlternateContent>
+      <p:sp>
+        <p:nvSpPr>
+          <p:cNvPr id="11" name="TextBox 10">
+            <a:extLst>
+              <a:ext uri="{FF2B5EF4-FFF2-40B4-BE49-F238E27FC236}">
+                <a16:creationId xmlns:a16="http://schemas.microsoft.com/office/drawing/2014/main" id="{7AB788A7-D6BF-DC45-8471-89C37395E26B}"/>
+              </a:ext>
+            </a:extLst>
+          </p:cNvPr>
+          <p:cNvSpPr txBox="1"/>
+          <p:nvPr/>
+        </p:nvSpPr>
+        <p:spPr>
+          <a:xfrm>
+            <a:off x="2304113" y="859707"/>
+            <a:ext cx="2278619" cy="369332"/>
+          </a:xfrm>
+          <a:prstGeom prst="rect">
+            <a:avLst/>
+          </a:prstGeom>
+          <a:solidFill>
+            <a:schemeClr val="bg1"/>
+          </a:solidFill>
+        </p:spPr>
+        <p:txBody>
+          <a:bodyPr wrap="square" rtlCol="0">
+            <a:spAutoFit/>
+          </a:bodyPr>
+          <a:lstStyle/>
+          <a:p>
+            <a:r>
+              <a:rPr lang="pt-PT" dirty="0"/>
+              <a:t>Regressão Linear  </a:t>
+            </a:r>
+          </a:p>
+        </p:txBody>
+      </p:sp>
+      <p:sp>
+        <p:nvSpPr>
+          <p:cNvPr id="12" name="TextBox 11">
+            <a:extLst>
+              <a:ext uri="{FF2B5EF4-FFF2-40B4-BE49-F238E27FC236}">
+                <a16:creationId xmlns:a16="http://schemas.microsoft.com/office/drawing/2014/main" id="{98D0E137-7E47-3C4C-A1A8-D50163EBD8AF}"/>
+              </a:ext>
+            </a:extLst>
+          </p:cNvPr>
+          <p:cNvSpPr txBox="1"/>
+          <p:nvPr/>
+        </p:nvSpPr>
+        <p:spPr>
+          <a:xfrm>
+            <a:off x="8250531" y="908045"/>
+            <a:ext cx="2278619" cy="369332"/>
+          </a:xfrm>
+          <a:prstGeom prst="rect">
+            <a:avLst/>
+          </a:prstGeom>
+          <a:solidFill>
+            <a:schemeClr val="bg1"/>
+          </a:solidFill>
+        </p:spPr>
+        <p:txBody>
+          <a:bodyPr wrap="square" rtlCol="0">
+            <a:spAutoFit/>
+          </a:bodyPr>
+          <a:lstStyle/>
+          <a:p>
+            <a:r>
+              <a:rPr lang="pt-PT" dirty="0"/>
+              <a:t>Regressão Logística   </a:t>
+            </a:r>
+          </a:p>
+        </p:txBody>
+      </p:sp>
+      <mc:AlternateContent xmlns:mc="http://schemas.openxmlformats.org/markup-compatibility/2006">
+        <mc:Choice xmlns:a14="http://schemas.microsoft.com/office/drawing/2010/main" Requires="a14">
+          <p:sp>
+            <p:nvSpPr>
+              <p:cNvPr id="13" name="TextBox 12">
+                <a:extLst>
+                  <a:ext uri="{FF2B5EF4-FFF2-40B4-BE49-F238E27FC236}">
+                    <a16:creationId xmlns:a16="http://schemas.microsoft.com/office/drawing/2014/main" id="{EA0CAF90-F85C-4D42-923C-558CEFF7D8B0}"/>
+                  </a:ext>
+                </a:extLst>
+              </p:cNvPr>
+              <p:cNvSpPr txBox="1"/>
+              <p:nvPr/>
+            </p:nvSpPr>
+            <p:spPr>
+              <a:xfrm>
+                <a:off x="7624223" y="2204500"/>
+                <a:ext cx="1715213" cy="320793"/>
+              </a:xfrm>
+              <a:prstGeom prst="rect">
+                <a:avLst/>
+              </a:prstGeom>
+              <a:noFill/>
+            </p:spPr>
+            <p:txBody>
+              <a:bodyPr wrap="square" lIns="0" tIns="0" rIns="0" bIns="0" rtlCol="0">
+                <a:spAutoFit/>
+              </a:bodyPr>
+              <a:lstStyle/>
+              <a:p>
+                <a14:m>
+                  <m:oMathPara xmlns:m="http://schemas.openxmlformats.org/officeDocument/2006/math">
+                    <m:oMathParaPr>
+                      <m:jc m:val="centerGroup"/>
+                    </m:oMathParaPr>
+                    <m:oMath xmlns:m="http://schemas.openxmlformats.org/officeDocument/2006/math">
+                      <m:r>
+                        <a:rPr lang="pt-PT" sz="1100" b="0" i="1" smtClean="0">
+                          <a:latin typeface="Cambria Math" panose="02040503050406030204" pitchFamily="18" charset="0"/>
+                          <a:ea typeface="Cambria Math" panose="02040503050406030204" pitchFamily="18" charset="0"/>
+                        </a:rPr>
+                        <m:t>𝜙</m:t>
+                      </m:r>
+                      <m:r>
+                        <a:rPr lang="pt-PT" sz="1100" b="0" i="1" smtClean="0">
+                          <a:latin typeface="+mj-lt"/>
+                          <a:ea typeface="Cambria Math" panose="02040503050406030204" pitchFamily="18" charset="0"/>
+                        </a:rPr>
+                        <m:t> </m:t>
+                      </m:r>
+                      <m:d>
+                        <m:dPr>
+                          <m:ctrlPr>
+                            <a:rPr lang="pt-PT" sz="1100" b="0" i="1" smtClean="0">
+                              <a:latin typeface="+mj-lt"/>
+                              <a:ea typeface="Cambria Math" panose="02040503050406030204" pitchFamily="18" charset="0"/>
+                            </a:rPr>
+                          </m:ctrlPr>
+                        </m:dPr>
+                        <m:e>
+                          <m:r>
+                            <a:rPr lang="pt-PT" sz="1100" b="0" i="1" smtClean="0">
+                              <a:latin typeface="+mj-lt"/>
+                              <a:ea typeface="Cambria Math" panose="02040503050406030204" pitchFamily="18" charset="0"/>
+                            </a:rPr>
+                            <m:t>𝑧</m:t>
+                          </m:r>
+                        </m:e>
+                      </m:d>
+                      <m:r>
+                        <a:rPr lang="pt-PT" sz="1100" b="0" i="1" smtClean="0">
+                          <a:latin typeface="+mj-lt"/>
+                          <a:ea typeface="Cambria Math" panose="02040503050406030204" pitchFamily="18" charset="0"/>
+                        </a:rPr>
+                        <m:t>= </m:t>
+                      </m:r>
+                      <m:f>
+                        <m:fPr>
+                          <m:ctrlPr>
+                            <a:rPr lang="pt-PT" sz="1100" b="0" i="1" smtClean="0">
+                              <a:latin typeface="+mj-lt"/>
+                              <a:ea typeface="Cambria Math" panose="02040503050406030204" pitchFamily="18" charset="0"/>
+                            </a:rPr>
+                          </m:ctrlPr>
+                        </m:fPr>
+                        <m:num>
+                          <m:r>
+                            <a:rPr lang="pt-PT" sz="1100" b="0" i="1" smtClean="0">
+                              <a:latin typeface="+mj-lt"/>
+                              <a:ea typeface="Cambria Math" panose="02040503050406030204" pitchFamily="18" charset="0"/>
+                            </a:rPr>
+                            <m:t>1</m:t>
+                          </m:r>
+                        </m:num>
+                        <m:den>
+                          <m:r>
+                            <a:rPr lang="pt-PT" sz="1100" b="0" i="1" smtClean="0">
+                              <a:latin typeface="+mj-lt"/>
+                              <a:ea typeface="Cambria Math" panose="02040503050406030204" pitchFamily="18" charset="0"/>
+                            </a:rPr>
+                            <m:t>1+ </m:t>
+                          </m:r>
+                          <m:sSup>
+                            <m:sSupPr>
+                              <m:ctrlPr>
+                                <a:rPr lang="pt-PT" sz="1100" b="0" i="1" smtClean="0">
+                                  <a:latin typeface="+mj-lt"/>
+                                  <a:ea typeface="Cambria Math" panose="02040503050406030204" pitchFamily="18" charset="0"/>
+                                </a:rPr>
+                              </m:ctrlPr>
+                            </m:sSupPr>
+                            <m:e>
+                              <m:r>
+                                <a:rPr lang="pt-PT" sz="1100" b="0" i="1" smtClean="0">
+                                  <a:latin typeface="+mj-lt"/>
+                                  <a:ea typeface="Cambria Math" panose="02040503050406030204" pitchFamily="18" charset="0"/>
+                                </a:rPr>
+                                <m:t>𝑒</m:t>
+                              </m:r>
+                            </m:e>
+                            <m:sup>
+                              <m:r>
+                                <a:rPr lang="pt-PT" sz="1100" b="0" i="1" smtClean="0">
+                                  <a:latin typeface="+mj-lt"/>
+                                  <a:ea typeface="Cambria Math" panose="02040503050406030204" pitchFamily="18" charset="0"/>
+                                </a:rPr>
+                                <m:t>−</m:t>
+                              </m:r>
+                              <m:r>
+                                <a:rPr lang="pt-PT" sz="1100" b="0" i="1" smtClean="0">
+                                  <a:latin typeface="+mj-lt"/>
+                                  <a:ea typeface="Cambria Math" panose="02040503050406030204" pitchFamily="18" charset="0"/>
+                                </a:rPr>
+                                <m:t>𝑧</m:t>
+                              </m:r>
+                            </m:sup>
+                          </m:sSup>
+                        </m:den>
+                      </m:f>
+                    </m:oMath>
+                  </m:oMathPara>
+                </a14:m>
+                <a:endParaRPr lang="pt-PT" sz="1100" dirty="0">
+                  <a:latin typeface="+mj-lt"/>
+                </a:endParaRPr>
+              </a:p>
+            </p:txBody>
+          </p:sp>
+        </mc:Choice>
+        <mc:Fallback>
+          <p:sp>
+            <p:nvSpPr>
+              <p:cNvPr id="13" name="TextBox 12">
+                <a:extLst>
+                  <a:ext uri="{FF2B5EF4-FFF2-40B4-BE49-F238E27FC236}">
+                    <a16:creationId xmlns:a16="http://schemas.microsoft.com/office/drawing/2014/main" id="{EA0CAF90-F85C-4D42-923C-558CEFF7D8B0}"/>
+                  </a:ext>
+                </a:extLst>
+              </p:cNvPr>
+              <p:cNvSpPr txBox="1">
+                <a:spLocks noRot="1" noChangeAspect="1" noMove="1" noResize="1" noEditPoints="1" noAdjustHandles="1" noChangeArrowheads="1" noChangeShapeType="1" noTextEdit="1"/>
+              </p:cNvSpPr>
+              <p:nvPr/>
+            </p:nvSpPr>
+            <p:spPr>
+              <a:xfrm>
+                <a:off x="7624223" y="2204500"/>
+                <a:ext cx="1715213" cy="320793"/>
+              </a:xfrm>
+              <a:prstGeom prst="rect">
+                <a:avLst/>
+              </a:prstGeom>
+              <a:blipFill>
+                <a:blip r:embed="rId4"/>
+                <a:stretch>
+                  <a:fillRect b="-26923"/>
+                </a:stretch>
+              </a:blipFill>
+            </p:spPr>
+            <p:txBody>
+              <a:bodyPr/>
+              <a:lstStyle/>
+              <a:p>
+                <a:r>
+                  <a:rPr lang="pt-PT">
+                    <a:noFill/>
+                  </a:rPr>
+                  <a:t> </a:t>
+                </a:r>
+              </a:p>
+            </p:txBody>
+          </p:sp>
+        </mc:Fallback>
+      </mc:AlternateContent>
+      <mc:AlternateContent xmlns:mc="http://schemas.openxmlformats.org/markup-compatibility/2006">
+        <mc:Choice xmlns:a14="http://schemas.microsoft.com/office/drawing/2010/main" Requires="a14">
+          <p:sp>
+            <p:nvSpPr>
+              <p:cNvPr id="14" name="TextBox 13">
+                <a:extLst>
+                  <a:ext uri="{FF2B5EF4-FFF2-40B4-BE49-F238E27FC236}">
+                    <a16:creationId xmlns:a16="http://schemas.microsoft.com/office/drawing/2014/main" id="{2C14E3E8-8CF9-3F43-970B-083894B9506A}"/>
+                  </a:ext>
+                </a:extLst>
+              </p:cNvPr>
+              <p:cNvSpPr txBox="1"/>
+              <p:nvPr/>
+            </p:nvSpPr>
+            <p:spPr>
+              <a:xfrm rot="16200000">
+                <a:off x="-1263217" y="2962217"/>
+                <a:ext cx="3166596" cy="307777"/>
+              </a:xfrm>
+              <a:prstGeom prst="rect">
+                <a:avLst/>
+              </a:prstGeom>
+              <a:solidFill>
+                <a:schemeClr val="bg1"/>
+              </a:solidFill>
+            </p:spPr>
+            <p:txBody>
+              <a:bodyPr wrap="square" rtlCol="0">
+                <a:spAutoFit/>
+              </a:bodyPr>
+              <a:lstStyle/>
+              <a:p>
+                <a14:m>
+                  <m:oMathPara xmlns:m="http://schemas.openxmlformats.org/officeDocument/2006/math">
+                    <m:oMathParaPr>
+                      <m:jc m:val="centerGroup"/>
+                    </m:oMathParaPr>
+                    <m:oMath xmlns:m="http://schemas.openxmlformats.org/officeDocument/2006/math">
+                      <m:r>
+                        <a:rPr lang="pt-PT" sz="1400" i="1" smtClean="0">
+                          <a:latin typeface="Cambria Math" panose="02040503050406030204" pitchFamily="18" charset="0"/>
+                          <a:ea typeface="Cambria Math" panose="02040503050406030204" pitchFamily="18" charset="0"/>
+                        </a:rPr>
+                        <m:t>𝜙</m:t>
+                      </m:r>
+                      <m:r>
+                        <a:rPr lang="pt-PT" sz="1400" b="0" i="1" smtClean="0">
+                          <a:latin typeface="Cambria Math" panose="02040503050406030204" pitchFamily="18" charset="0"/>
+                          <a:ea typeface="Cambria Math" panose="02040503050406030204" pitchFamily="18" charset="0"/>
+                        </a:rPr>
+                        <m:t> </m:t>
+                      </m:r>
+                      <m:d>
+                        <m:dPr>
+                          <m:ctrlPr>
+                            <a:rPr lang="pt-PT" sz="1400" i="1">
+                              <a:latin typeface="Cambria Math" panose="02040503050406030204" pitchFamily="18" charset="0"/>
+                              <a:ea typeface="Cambria Math" panose="02040503050406030204" pitchFamily="18" charset="0"/>
+                            </a:rPr>
+                          </m:ctrlPr>
+                        </m:dPr>
+                        <m:e>
+                          <m:r>
+                            <a:rPr lang="pt-PT" sz="1400" i="1">
+                              <a:latin typeface="Cambria Math" panose="02040503050406030204" pitchFamily="18" charset="0"/>
+                              <a:ea typeface="Cambria Math" panose="02040503050406030204" pitchFamily="18" charset="0"/>
+                            </a:rPr>
+                            <m:t>𝑧</m:t>
+                          </m:r>
+                        </m:e>
+                      </m:d>
+                    </m:oMath>
+                  </m:oMathPara>
+                </a14:m>
+                <a:endParaRPr lang="pt-PT" sz="1400" dirty="0"/>
+              </a:p>
+            </p:txBody>
+          </p:sp>
+        </mc:Choice>
+        <mc:Fallback>
+          <p:sp>
+            <p:nvSpPr>
+              <p:cNvPr id="14" name="TextBox 13">
+                <a:extLst>
+                  <a:ext uri="{FF2B5EF4-FFF2-40B4-BE49-F238E27FC236}">
+                    <a16:creationId xmlns:a16="http://schemas.microsoft.com/office/drawing/2014/main" id="{2C14E3E8-8CF9-3F43-970B-083894B9506A}"/>
+                  </a:ext>
+                </a:extLst>
+              </p:cNvPr>
+              <p:cNvSpPr txBox="1">
+                <a:spLocks noRot="1" noChangeAspect="1" noMove="1" noResize="1" noEditPoints="1" noAdjustHandles="1" noChangeArrowheads="1" noChangeShapeType="1" noTextEdit="1"/>
+              </p:cNvSpPr>
+              <p:nvPr/>
+            </p:nvSpPr>
+            <p:spPr>
+              <a:xfrm rot="16200000">
+                <a:off x="-1263217" y="2962217"/>
+                <a:ext cx="3166596" cy="307777"/>
+              </a:xfrm>
+              <a:prstGeom prst="rect">
+                <a:avLst/>
+              </a:prstGeom>
+              <a:blipFill>
+                <a:blip r:embed="rId5"/>
+                <a:stretch>
+                  <a:fillRect r="-7692"/>
+                </a:stretch>
+              </a:blipFill>
+            </p:spPr>
+            <p:txBody>
+              <a:bodyPr/>
+              <a:lstStyle/>
+              <a:p>
+                <a:r>
+                  <a:rPr lang="pt-PT">
+                    <a:noFill/>
+                  </a:rPr>
+                  <a:t> </a:t>
+                </a:r>
+              </a:p>
+            </p:txBody>
+          </p:sp>
+        </mc:Fallback>
+      </mc:AlternateContent>
+    </p:spTree>
+    <p:extLst>
+      <p:ext uri="{BB962C8B-B14F-4D97-AF65-F5344CB8AC3E}">
+        <p14:creationId xmlns:p14="http://schemas.microsoft.com/office/powerpoint/2010/main" val="2471525373"/>
+      </p:ext>
+    </p:extLst>
+  </p:cSld>
+  <p:clrMapOvr>
+    <a:masterClrMapping/>
+  </p:clrMapOvr>
+</p:sld>
+</file>
+
 <file path=ppt/theme/theme1.xml><?xml version="1.0" encoding="utf-8"?>
 <a:theme xmlns:a="http://schemas.openxmlformats.org/drawingml/2006/main" name="Office Theme">
   <a:themeElements>

--- a/Esquemas/CRISP-DM.pptx
+++ b/Esquemas/CRISP-DM.pptx
@@ -4436,40 +4436,6 @@
           <a:chExt cx="0" cy="0"/>
         </a:xfrm>
       </p:grpSpPr>
-      <p:pic>
-        <p:nvPicPr>
-          <p:cNvPr id="4" name="Picture 3" descr="Diagram&#10;&#10;Description automatically generated">
-            <a:extLst>
-              <a:ext uri="{FF2B5EF4-FFF2-40B4-BE49-F238E27FC236}">
-                <a16:creationId xmlns:a16="http://schemas.microsoft.com/office/drawing/2014/main" id="{BFCED23D-03F9-9A45-ACF0-A455C0B4104B}"/>
-              </a:ext>
-            </a:extLst>
-          </p:cNvPr>
-          <p:cNvPicPr/>
-          <p:nvPr/>
-        </p:nvPicPr>
-        <p:blipFill>
-          <a:blip r:embed="rId2" cstate="print">
-            <a:extLst>
-              <a:ext uri="{28A0092B-C50C-407E-A947-70E740481C1C}">
-                <a14:useLocalDpi xmlns:a14="http://schemas.microsoft.com/office/drawing/2010/main" val="0"/>
-              </a:ext>
-            </a:extLst>
-          </a:blip>
-          <a:stretch>
-            <a:fillRect/>
-          </a:stretch>
-        </p:blipFill>
-        <p:spPr>
-          <a:xfrm>
-            <a:off x="605578" y="226060"/>
-            <a:ext cx="5731510" cy="3202940"/>
-          </a:xfrm>
-          <a:prstGeom prst="rect">
-            <a:avLst/>
-          </a:prstGeom>
-        </p:spPr>
-      </p:pic>
     </p:spTree>
     <p:extLst>
       <p:ext uri="{BB962C8B-B14F-4D97-AF65-F5344CB8AC3E}">
@@ -5528,8 +5494,8 @@
           </a:p>
         </p:txBody>
       </p:sp>
-      <mc:AlternateContent xmlns:mc="http://schemas.openxmlformats.org/markup-compatibility/2006">
-        <mc:Choice xmlns:a14="http://schemas.microsoft.com/office/drawing/2010/main" Requires="a14">
+      <mc:AlternateContent xmlns:mc="http://schemas.openxmlformats.org/markup-compatibility/2006" xmlns:a14="http://schemas.microsoft.com/office/drawing/2010/main">
+        <mc:Choice Requires="a14">
           <p:sp>
             <p:nvSpPr>
               <p:cNvPr id="10" name="TextBox 9">
@@ -5560,6 +5526,7 @@
               </a:bodyPr>
               <a:lstStyle/>
               <a:p>
+                <a:pPr/>
                 <a14:m>
                   <m:oMathPara xmlns:m="http://schemas.openxmlformats.org/officeDocument/2006/math">
                     <m:oMathParaPr>
@@ -5607,7 +5574,7 @@
             </p:txBody>
           </p:sp>
         </mc:Choice>
-        <mc:Fallback>
+        <mc:Fallback xmlns="">
           <p:sp>
             <p:nvSpPr>
               <p:cNvPr id="10" name="TextBox 9">
@@ -5726,8 +5693,8 @@
           </a:p>
         </p:txBody>
       </p:sp>
-      <mc:AlternateContent xmlns:mc="http://schemas.openxmlformats.org/markup-compatibility/2006">
-        <mc:Choice xmlns:a14="http://schemas.microsoft.com/office/drawing/2010/main" Requires="a14">
+      <mc:AlternateContent xmlns:mc="http://schemas.openxmlformats.org/markup-compatibility/2006" xmlns:a14="http://schemas.microsoft.com/office/drawing/2010/main">
+        <mc:Choice Requires="a14">
           <p:sp>
             <p:nvSpPr>
               <p:cNvPr id="13" name="TextBox 12">
@@ -5756,6 +5723,7 @@
               </a:bodyPr>
               <a:lstStyle/>
               <a:p>
+                <a:pPr/>
                 <a14:m>
                   <m:oMathPara xmlns:m="http://schemas.openxmlformats.org/officeDocument/2006/math">
                     <m:oMathParaPr>
@@ -5771,7 +5739,7 @@
                       </m:r>
                       <m:r>
                         <a:rPr lang="pt-PT" sz="1100" b="0" i="1" smtClean="0">
-                          <a:latin typeface="+mj-lt"/>
+                          <a:latin typeface="Cambria Math" panose="02040503050406030204" pitchFamily="18" charset="0"/>
                           <a:ea typeface="Cambria Math" panose="02040503050406030204" pitchFamily="18" charset="0"/>
                         </a:rPr>
                         <m:t> </m:t>
@@ -5780,7 +5748,7 @@
                         <m:dPr>
                           <m:ctrlPr>
                             <a:rPr lang="pt-PT" sz="1100" b="0" i="1" smtClean="0">
-                              <a:latin typeface="+mj-lt"/>
+                              <a:latin typeface="Cambria Math" panose="02040503050406030204" pitchFamily="18" charset="0"/>
                               <a:ea typeface="Cambria Math" panose="02040503050406030204" pitchFamily="18" charset="0"/>
                             </a:rPr>
                           </m:ctrlPr>
@@ -5788,7 +5756,7 @@
                         <m:e>
                           <m:r>
                             <a:rPr lang="pt-PT" sz="1100" b="0" i="1" smtClean="0">
-                              <a:latin typeface="+mj-lt"/>
+                              <a:latin typeface="Cambria Math" panose="02040503050406030204" pitchFamily="18" charset="0"/>
                               <a:ea typeface="Cambria Math" panose="02040503050406030204" pitchFamily="18" charset="0"/>
                             </a:rPr>
                             <m:t>𝑧</m:t>
@@ -5797,7 +5765,7 @@
                       </m:d>
                       <m:r>
                         <a:rPr lang="pt-PT" sz="1100" b="0" i="1" smtClean="0">
-                          <a:latin typeface="+mj-lt"/>
+                          <a:latin typeface="Cambria Math" panose="02040503050406030204" pitchFamily="18" charset="0"/>
                           <a:ea typeface="Cambria Math" panose="02040503050406030204" pitchFamily="18" charset="0"/>
                         </a:rPr>
                         <m:t>= </m:t>
@@ -5806,7 +5774,7 @@
                         <m:fPr>
                           <m:ctrlPr>
                             <a:rPr lang="pt-PT" sz="1100" b="0" i="1" smtClean="0">
-                              <a:latin typeface="+mj-lt"/>
+                              <a:latin typeface="Cambria Math" panose="02040503050406030204" pitchFamily="18" charset="0"/>
                               <a:ea typeface="Cambria Math" panose="02040503050406030204" pitchFamily="18" charset="0"/>
                             </a:rPr>
                           </m:ctrlPr>
@@ -5814,7 +5782,7 @@
                         <m:num>
                           <m:r>
                             <a:rPr lang="pt-PT" sz="1100" b="0" i="1" smtClean="0">
-                              <a:latin typeface="+mj-lt"/>
+                              <a:latin typeface="Cambria Math" panose="02040503050406030204" pitchFamily="18" charset="0"/>
                               <a:ea typeface="Cambria Math" panose="02040503050406030204" pitchFamily="18" charset="0"/>
                             </a:rPr>
                             <m:t>1</m:t>
@@ -5823,7 +5791,7 @@
                         <m:den>
                           <m:r>
                             <a:rPr lang="pt-PT" sz="1100" b="0" i="1" smtClean="0">
-                              <a:latin typeface="+mj-lt"/>
+                              <a:latin typeface="Cambria Math" panose="02040503050406030204" pitchFamily="18" charset="0"/>
                               <a:ea typeface="Cambria Math" panose="02040503050406030204" pitchFamily="18" charset="0"/>
                             </a:rPr>
                             <m:t>1+ </m:t>
@@ -5832,7 +5800,7 @@
                             <m:sSupPr>
                               <m:ctrlPr>
                                 <a:rPr lang="pt-PT" sz="1100" b="0" i="1" smtClean="0">
-                                  <a:latin typeface="+mj-lt"/>
+                                  <a:latin typeface="Cambria Math" panose="02040503050406030204" pitchFamily="18" charset="0"/>
                                   <a:ea typeface="Cambria Math" panose="02040503050406030204" pitchFamily="18" charset="0"/>
                                 </a:rPr>
                               </m:ctrlPr>
@@ -5840,7 +5808,7 @@
                             <m:e>
                               <m:r>
                                 <a:rPr lang="pt-PT" sz="1100" b="0" i="1" smtClean="0">
-                                  <a:latin typeface="+mj-lt"/>
+                                  <a:latin typeface="Cambria Math" panose="02040503050406030204" pitchFamily="18" charset="0"/>
                                   <a:ea typeface="Cambria Math" panose="02040503050406030204" pitchFamily="18" charset="0"/>
                                 </a:rPr>
                                 <m:t>𝑒</m:t>
@@ -5849,14 +5817,14 @@
                             <m:sup>
                               <m:r>
                                 <a:rPr lang="pt-PT" sz="1100" b="0" i="1" smtClean="0">
-                                  <a:latin typeface="+mj-lt"/>
+                                  <a:latin typeface="Cambria Math" panose="02040503050406030204" pitchFamily="18" charset="0"/>
                                   <a:ea typeface="Cambria Math" panose="02040503050406030204" pitchFamily="18" charset="0"/>
                                 </a:rPr>
                                 <m:t>−</m:t>
                               </m:r>
                               <m:r>
                                 <a:rPr lang="pt-PT" sz="1100" b="0" i="1" smtClean="0">
-                                  <a:latin typeface="+mj-lt"/>
+                                  <a:latin typeface="Cambria Math" panose="02040503050406030204" pitchFamily="18" charset="0"/>
                                   <a:ea typeface="Cambria Math" panose="02040503050406030204" pitchFamily="18" charset="0"/>
                                 </a:rPr>
                                 <m:t>𝑧</m:t>
@@ -5875,7 +5843,7 @@
             </p:txBody>
           </p:sp>
         </mc:Choice>
-        <mc:Fallback>
+        <mc:Fallback xmlns="">
           <p:sp>
             <p:nvSpPr>
               <p:cNvPr id="13" name="TextBox 12">
@@ -5920,8 +5888,8 @@
           </p:sp>
         </mc:Fallback>
       </mc:AlternateContent>
-      <mc:AlternateContent xmlns:mc="http://schemas.openxmlformats.org/markup-compatibility/2006">
-        <mc:Choice xmlns:a14="http://schemas.microsoft.com/office/drawing/2010/main" Requires="a14">
+      <mc:AlternateContent xmlns:mc="http://schemas.openxmlformats.org/markup-compatibility/2006" xmlns:a14="http://schemas.microsoft.com/office/drawing/2010/main">
+        <mc:Choice Requires="a14">
           <p:sp>
             <p:nvSpPr>
               <p:cNvPr id="14" name="TextBox 13">
@@ -5952,6 +5920,7 @@
               </a:bodyPr>
               <a:lstStyle/>
               <a:p>
+                <a:pPr/>
                 <a14:m>
                   <m:oMathPara xmlns:m="http://schemas.openxmlformats.org/officeDocument/2006/math">
                     <m:oMathParaPr>
@@ -5999,7 +5968,7 @@
             </p:txBody>
           </p:sp>
         </mc:Choice>
-        <mc:Fallback>
+        <mc:Fallback xmlns="">
           <p:sp>
             <p:nvSpPr>
               <p:cNvPr id="14" name="TextBox 13">
